--- a/etap2/Projekt aplikacji symulacji układu automatycznej regulacji.pptx
+++ b/etap2/Projekt aplikacji symulacji układu automatycznej regulacji.pptx
@@ -5,22 +5,21 @@
     <p:sldMasterId id="2147483648" r:id="rId4"/>
   </p:sldMasterIdLst>
   <p:notesMasterIdLst>
-    <p:notesMasterId r:id="rId15"/>
+    <p:notesMasterId r:id="rId14"/>
   </p:notesMasterIdLst>
   <p:handoutMasterIdLst>
-    <p:handoutMasterId r:id="rId16"/>
+    <p:handoutMasterId r:id="rId15"/>
   </p:handoutMasterIdLst>
   <p:sldIdLst>
     <p:sldId id="256" r:id="rId5"/>
     <p:sldId id="283" r:id="rId6"/>
-    <p:sldId id="284" r:id="rId7"/>
-    <p:sldId id="287" r:id="rId8"/>
-    <p:sldId id="282" r:id="rId9"/>
-    <p:sldId id="291" r:id="rId10"/>
-    <p:sldId id="262" r:id="rId11"/>
-    <p:sldId id="292" r:id="rId12"/>
-    <p:sldId id="293" r:id="rId13"/>
-    <p:sldId id="289" r:id="rId14"/>
+    <p:sldId id="287" r:id="rId7"/>
+    <p:sldId id="282" r:id="rId8"/>
+    <p:sldId id="291" r:id="rId9"/>
+    <p:sldId id="294" r:id="rId10"/>
+    <p:sldId id="292" r:id="rId11"/>
+    <p:sldId id="293" r:id="rId12"/>
+    <p:sldId id="289" r:id="rId13"/>
   </p:sldIdLst>
   <p:sldSz cx="12192000" cy="6858000"/>
   <p:notesSz cx="6858000" cy="9144000"/>
@@ -554,7 +553,7 @@
             <a:pPr rtl="0"/>
             <a:fld id="{08F521E1-0C12-4760-BDE0-45E97124B4AC}" type="datetime1">
               <a:rPr lang="pl-PL" smtClean="0"/>
-              <a:t>26.11.2025</a:t>
+              <a:t>28.11.2025</a:t>
             </a:fld>
             <a:endParaRPr lang="pl-PL" dirty="0"/>
           </a:p>
@@ -736,7 +735,7 @@
             <a:fld id="{D8E38F4B-9F29-4743-AA85-EA4FA1270FE4}" type="datetime1">
               <a:rPr lang="pl-PL" smtClean="0"/>
               <a:pPr/>
-              <a:t>26.11.2025</a:t>
+              <a:t>28.11.2025</a:t>
             </a:fld>
             <a:endParaRPr lang="pl-PL" dirty="0"/>
           </a:p>
@@ -1093,91 +1092,6 @@
 </p:notes>
 </file>
 
-<file path=ppt/notesSlides/notesSlide10.xml><?xml version="1.0" encoding="utf-8"?>
-<p:notes xmlns:a="http://schemas.openxmlformats.org/drawingml/2006/main" xmlns:r="http://schemas.openxmlformats.org/officeDocument/2006/relationships" xmlns:p="http://schemas.openxmlformats.org/presentationml/2006/main">
-  <p:cSld>
-    <p:spTree>
-      <p:nvGrpSpPr>
-        <p:cNvPr id="1" name=""/>
-        <p:cNvGrpSpPr/>
-        <p:nvPr/>
-      </p:nvGrpSpPr>
-      <p:grpSpPr>
-        <a:xfrm>
-          <a:off x="0" y="0"/>
-          <a:ext cx="0" cy="0"/>
-          <a:chOff x="0" y="0"/>
-          <a:chExt cx="0" cy="0"/>
-        </a:xfrm>
-      </p:grpSpPr>
-      <p:sp>
-        <p:nvSpPr>
-          <p:cNvPr id="2" name="Symbol zastępczy obrazu slajdu 1"/>
-          <p:cNvSpPr>
-            <a:spLocks noGrp="1" noRot="1" noChangeAspect="1"/>
-          </p:cNvSpPr>
-          <p:nvPr>
-            <p:ph type="sldImg"/>
-          </p:nvPr>
-        </p:nvSpPr>
-        <p:spPr/>
-      </p:sp>
-      <p:sp>
-        <p:nvSpPr>
-          <p:cNvPr id="3" name="Symbol zastępczy notatek 2"/>
-          <p:cNvSpPr>
-            <a:spLocks noGrp="1"/>
-          </p:cNvSpPr>
-          <p:nvPr>
-            <p:ph type="body" idx="1"/>
-          </p:nvPr>
-        </p:nvSpPr>
-        <p:spPr/>
-        <p:txBody>
-          <a:bodyPr/>
-          <a:lstStyle/>
-          <a:p>
-            <a:endParaRPr lang="pl-PL"/>
-          </a:p>
-        </p:txBody>
-      </p:sp>
-      <p:sp>
-        <p:nvSpPr>
-          <p:cNvPr id="4" name="Symbol zastępczy numeru slajdu 3"/>
-          <p:cNvSpPr>
-            <a:spLocks noGrp="1"/>
-          </p:cNvSpPr>
-          <p:nvPr>
-            <p:ph type="sldNum" sz="quarter" idx="5"/>
-          </p:nvPr>
-        </p:nvSpPr>
-        <p:spPr/>
-        <p:txBody>
-          <a:bodyPr/>
-          <a:lstStyle/>
-          <a:p>
-            <a:pPr rtl="0"/>
-            <a:fld id="{35BAF473-2665-42A7-89E3-C7BA7EB58D12}" type="slidenum">
-              <a:rPr lang="pl-PL" smtClean="0"/>
-              <a:t>10</a:t>
-            </a:fld>
-            <a:endParaRPr lang="pl-PL"/>
-          </a:p>
-        </p:txBody>
-      </p:sp>
-    </p:spTree>
-    <p:extLst>
-      <p:ext uri="{BB962C8B-B14F-4D97-AF65-F5344CB8AC3E}">
-        <p14:creationId xmlns:p14="http://schemas.microsoft.com/office/powerpoint/2010/main" val="631881655"/>
-      </p:ext>
-    </p:extLst>
-  </p:cSld>
-  <p:clrMapOvr>
-    <a:masterClrMapping/>
-  </p:clrMapOvr>
-</p:notes>
-</file>
-
 <file path=ppt/notesSlides/notesSlide2.xml><?xml version="1.0" encoding="utf-8"?>
 <p:notes xmlns:a="http://schemas.openxmlformats.org/drawingml/2006/main" xmlns:r="http://schemas.openxmlformats.org/officeDocument/2006/relationships" xmlns:p="http://schemas.openxmlformats.org/presentationml/2006/main">
   <p:cSld>
@@ -1338,7 +1252,7 @@
     </p:spTree>
     <p:extLst>
       <p:ext uri="{BB962C8B-B14F-4D97-AF65-F5344CB8AC3E}">
-        <p14:creationId xmlns:p14="http://schemas.microsoft.com/office/powerpoint/2010/main" val="271373720"/>
+        <p14:creationId xmlns:p14="http://schemas.microsoft.com/office/powerpoint/2010/main" val="1278762097"/>
       </p:ext>
     </p:extLst>
   </p:cSld>
@@ -1423,7 +1337,7 @@
     </p:spTree>
     <p:extLst>
       <p:ext uri="{BB962C8B-B14F-4D97-AF65-F5344CB8AC3E}">
-        <p14:creationId xmlns:p14="http://schemas.microsoft.com/office/powerpoint/2010/main" val="1278762097"/>
+        <p14:creationId xmlns:p14="http://schemas.microsoft.com/office/powerpoint/2010/main" val="1926810146"/>
       </p:ext>
     </p:extLst>
   </p:cSld>
@@ -1434,91 +1348,6 @@
 </file>
 
 <file path=ppt/notesSlides/notesSlide5.xml><?xml version="1.0" encoding="utf-8"?>
-<p:notes xmlns:a="http://schemas.openxmlformats.org/drawingml/2006/main" xmlns:r="http://schemas.openxmlformats.org/officeDocument/2006/relationships" xmlns:p="http://schemas.openxmlformats.org/presentationml/2006/main">
-  <p:cSld>
-    <p:spTree>
-      <p:nvGrpSpPr>
-        <p:cNvPr id="1" name=""/>
-        <p:cNvGrpSpPr/>
-        <p:nvPr/>
-      </p:nvGrpSpPr>
-      <p:grpSpPr>
-        <a:xfrm>
-          <a:off x="0" y="0"/>
-          <a:ext cx="0" cy="0"/>
-          <a:chOff x="0" y="0"/>
-          <a:chExt cx="0" cy="0"/>
-        </a:xfrm>
-      </p:grpSpPr>
-      <p:sp>
-        <p:nvSpPr>
-          <p:cNvPr id="2" name="Symbol zastępczy obrazu slajdu 1"/>
-          <p:cNvSpPr>
-            <a:spLocks noGrp="1" noRot="1" noChangeAspect="1"/>
-          </p:cNvSpPr>
-          <p:nvPr>
-            <p:ph type="sldImg"/>
-          </p:nvPr>
-        </p:nvSpPr>
-        <p:spPr/>
-      </p:sp>
-      <p:sp>
-        <p:nvSpPr>
-          <p:cNvPr id="3" name="Symbol zastępczy notatek 2"/>
-          <p:cNvSpPr>
-            <a:spLocks noGrp="1"/>
-          </p:cNvSpPr>
-          <p:nvPr>
-            <p:ph type="body" idx="1"/>
-          </p:nvPr>
-        </p:nvSpPr>
-        <p:spPr/>
-        <p:txBody>
-          <a:bodyPr/>
-          <a:lstStyle/>
-          <a:p>
-            <a:endParaRPr lang="pl-PL"/>
-          </a:p>
-        </p:txBody>
-      </p:sp>
-      <p:sp>
-        <p:nvSpPr>
-          <p:cNvPr id="4" name="Symbol zastępczy numeru slajdu 3"/>
-          <p:cNvSpPr>
-            <a:spLocks noGrp="1"/>
-          </p:cNvSpPr>
-          <p:nvPr>
-            <p:ph type="sldNum" sz="quarter" idx="5"/>
-          </p:nvPr>
-        </p:nvSpPr>
-        <p:spPr/>
-        <p:txBody>
-          <a:bodyPr/>
-          <a:lstStyle/>
-          <a:p>
-            <a:pPr rtl="0"/>
-            <a:fld id="{35BAF473-2665-42A7-89E3-C7BA7EB58D12}" type="slidenum">
-              <a:rPr lang="pl-PL" smtClean="0"/>
-              <a:t>5</a:t>
-            </a:fld>
-            <a:endParaRPr lang="pl-PL"/>
-          </a:p>
-        </p:txBody>
-      </p:sp>
-    </p:spTree>
-    <p:extLst>
-      <p:ext uri="{BB962C8B-B14F-4D97-AF65-F5344CB8AC3E}">
-        <p14:creationId xmlns:p14="http://schemas.microsoft.com/office/powerpoint/2010/main" val="1926810146"/>
-      </p:ext>
-    </p:extLst>
-  </p:cSld>
-  <p:clrMapOvr>
-    <a:masterClrMapping/>
-  </p:clrMapOvr>
-</p:notes>
-</file>
-
-<file path=ppt/notesSlides/notesSlide6.xml><?xml version="1.0" encoding="utf-8"?>
 <p:notes xmlns:a="http://schemas.openxmlformats.org/drawingml/2006/main" xmlns:r="http://schemas.openxmlformats.org/officeDocument/2006/relationships" xmlns:p="http://schemas.openxmlformats.org/presentationml/2006/main">
   <p:cSld>
     <p:spTree>
@@ -1608,7 +1437,7 @@
             <a:pPr rtl="0"/>
             <a:fld id="{35BAF473-2665-42A7-89E3-C7BA7EB58D12}" type="slidenum">
               <a:rPr lang="pl-PL" smtClean="0"/>
-              <a:t>6</a:t>
+              <a:t>5</a:t>
             </a:fld>
             <a:endParaRPr lang="pl-PL"/>
           </a:p>
@@ -1627,12 +1456,18 @@
 </p:notes>
 </file>
 
-<file path=ppt/notesSlides/notesSlide7.xml><?xml version="1.0" encoding="utf-8"?>
+<file path=ppt/notesSlides/notesSlide6.xml><?xml version="1.0" encoding="utf-8"?>
 <p:notes xmlns:a="http://schemas.openxmlformats.org/drawingml/2006/main" xmlns:r="http://schemas.openxmlformats.org/officeDocument/2006/relationships" xmlns:p="http://schemas.openxmlformats.org/presentationml/2006/main">
   <p:cSld>
     <p:spTree>
       <p:nvGrpSpPr>
-        <p:cNvPr id="1" name=""/>
+        <p:cNvPr id="1" name="">
+          <a:extLst>
+            <a:ext uri="{FF2B5EF4-FFF2-40B4-BE49-F238E27FC236}">
+              <a16:creationId xmlns:a16="http://schemas.microsoft.com/office/drawing/2014/main" id="{07108F89-DFA7-D5C0-C635-5D63D08F59DE}"/>
+            </a:ext>
+          </a:extLst>
+        </p:cNvPr>
         <p:cNvGrpSpPr/>
         <p:nvPr/>
       </p:nvGrpSpPr>
@@ -1646,7 +1481,13 @@
       </p:grpSpPr>
       <p:sp>
         <p:nvSpPr>
-          <p:cNvPr id="2" name="Symbol zastępczy obrazu slajdu 1"/>
+          <p:cNvPr id="2" name="Symbol zastępczy obrazu slajdu 1">
+            <a:extLst>
+              <a:ext uri="{FF2B5EF4-FFF2-40B4-BE49-F238E27FC236}">
+                <a16:creationId xmlns:a16="http://schemas.microsoft.com/office/drawing/2014/main" id="{F05B4DF8-7AC4-7855-7242-B281A1903C6C}"/>
+              </a:ext>
+            </a:extLst>
+          </p:cNvPr>
           <p:cNvSpPr>
             <a:spLocks noGrp="1" noRot="1" noChangeAspect="1"/>
           </p:cNvSpPr>
@@ -1658,7 +1499,13 @@
       </p:sp>
       <p:sp>
         <p:nvSpPr>
-          <p:cNvPr id="3" name="Symbol zastępczy notatek 2"/>
+          <p:cNvPr id="3" name="Symbol zastępczy notatek 2">
+            <a:extLst>
+              <a:ext uri="{FF2B5EF4-FFF2-40B4-BE49-F238E27FC236}">
+                <a16:creationId xmlns:a16="http://schemas.microsoft.com/office/drawing/2014/main" id="{3C0D4A45-B612-06F5-2A35-F4586E0D747F}"/>
+              </a:ext>
+            </a:extLst>
+          </p:cNvPr>
           <p:cNvSpPr>
             <a:spLocks noGrp="1"/>
           </p:cNvSpPr>
@@ -1677,7 +1524,13 @@
       </p:sp>
       <p:sp>
         <p:nvSpPr>
-          <p:cNvPr id="4" name="Symbol zastępczy numeru slajdu 3"/>
+          <p:cNvPr id="4" name="Symbol zastępczy numeru slajdu 3">
+            <a:extLst>
+              <a:ext uri="{FF2B5EF4-FFF2-40B4-BE49-F238E27FC236}">
+                <a16:creationId xmlns:a16="http://schemas.microsoft.com/office/drawing/2014/main" id="{7EA9FDB6-0A31-6A8B-22E8-F5302B7E9F98}"/>
+              </a:ext>
+            </a:extLst>
+          </p:cNvPr>
           <p:cNvSpPr>
             <a:spLocks noGrp="1"/>
           </p:cNvSpPr>
@@ -1693,7 +1546,7 @@
             <a:pPr rtl="0"/>
             <a:fld id="{35BAF473-2665-42A7-89E3-C7BA7EB58D12}" type="slidenum">
               <a:rPr lang="pl-PL" smtClean="0"/>
-              <a:t>7</a:t>
+              <a:t>6</a:t>
             </a:fld>
             <a:endParaRPr lang="pl-PL"/>
           </a:p>
@@ -1702,7 +1555,7 @@
     </p:spTree>
     <p:extLst>
       <p:ext uri="{BB962C8B-B14F-4D97-AF65-F5344CB8AC3E}">
-        <p14:creationId xmlns:p14="http://schemas.microsoft.com/office/powerpoint/2010/main" val="4208332674"/>
+        <p14:creationId xmlns:p14="http://schemas.microsoft.com/office/powerpoint/2010/main" val="1924414504"/>
       </p:ext>
     </p:extLst>
   </p:cSld>
@@ -1712,7 +1565,7 @@
 </p:notes>
 </file>
 
-<file path=ppt/notesSlides/notesSlide8.xml><?xml version="1.0" encoding="utf-8"?>
+<file path=ppt/notesSlides/notesSlide7.xml><?xml version="1.0" encoding="utf-8"?>
 <p:notes xmlns:a="http://schemas.openxmlformats.org/drawingml/2006/main" xmlns:r="http://schemas.openxmlformats.org/officeDocument/2006/relationships" xmlns:p="http://schemas.openxmlformats.org/presentationml/2006/main">
   <p:cSld>
     <p:spTree>
@@ -1802,7 +1655,7 @@
             <a:pPr rtl="0"/>
             <a:fld id="{35BAF473-2665-42A7-89E3-C7BA7EB58D12}" type="slidenum">
               <a:rPr lang="pl-PL" smtClean="0"/>
-              <a:t>8</a:t>
+              <a:t>7</a:t>
             </a:fld>
             <a:endParaRPr lang="pl-PL"/>
           </a:p>
@@ -1821,7 +1674,7 @@
 </p:notes>
 </file>
 
-<file path=ppt/notesSlides/notesSlide9.xml><?xml version="1.0" encoding="utf-8"?>
+<file path=ppt/notesSlides/notesSlide8.xml><?xml version="1.0" encoding="utf-8"?>
 <p:notes xmlns:a="http://schemas.openxmlformats.org/drawingml/2006/main" xmlns:r="http://schemas.openxmlformats.org/officeDocument/2006/relationships" xmlns:p="http://schemas.openxmlformats.org/presentationml/2006/main">
   <p:cSld>
     <p:spTree>
@@ -1911,7 +1764,7 @@
             <a:pPr rtl="0"/>
             <a:fld id="{35BAF473-2665-42A7-89E3-C7BA7EB58D12}" type="slidenum">
               <a:rPr lang="pl-PL" smtClean="0"/>
-              <a:t>9</a:t>
+              <a:t>8</a:t>
             </a:fld>
             <a:endParaRPr lang="pl-PL"/>
           </a:p>
@@ -1921,6 +1774,91 @@
     <p:extLst>
       <p:ext uri="{BB962C8B-B14F-4D97-AF65-F5344CB8AC3E}">
         <p14:creationId xmlns:p14="http://schemas.microsoft.com/office/powerpoint/2010/main" val="2170842727"/>
+      </p:ext>
+    </p:extLst>
+  </p:cSld>
+  <p:clrMapOvr>
+    <a:masterClrMapping/>
+  </p:clrMapOvr>
+</p:notes>
+</file>
+
+<file path=ppt/notesSlides/notesSlide9.xml><?xml version="1.0" encoding="utf-8"?>
+<p:notes xmlns:a="http://schemas.openxmlformats.org/drawingml/2006/main" xmlns:r="http://schemas.openxmlformats.org/officeDocument/2006/relationships" xmlns:p="http://schemas.openxmlformats.org/presentationml/2006/main">
+  <p:cSld>
+    <p:spTree>
+      <p:nvGrpSpPr>
+        <p:cNvPr id="1" name=""/>
+        <p:cNvGrpSpPr/>
+        <p:nvPr/>
+      </p:nvGrpSpPr>
+      <p:grpSpPr>
+        <a:xfrm>
+          <a:off x="0" y="0"/>
+          <a:ext cx="0" cy="0"/>
+          <a:chOff x="0" y="0"/>
+          <a:chExt cx="0" cy="0"/>
+        </a:xfrm>
+      </p:grpSpPr>
+      <p:sp>
+        <p:nvSpPr>
+          <p:cNvPr id="2" name="Symbol zastępczy obrazu slajdu 1"/>
+          <p:cNvSpPr>
+            <a:spLocks noGrp="1" noRot="1" noChangeAspect="1"/>
+          </p:cNvSpPr>
+          <p:nvPr>
+            <p:ph type="sldImg"/>
+          </p:nvPr>
+        </p:nvSpPr>
+        <p:spPr/>
+      </p:sp>
+      <p:sp>
+        <p:nvSpPr>
+          <p:cNvPr id="3" name="Symbol zastępczy notatek 2"/>
+          <p:cNvSpPr>
+            <a:spLocks noGrp="1"/>
+          </p:cNvSpPr>
+          <p:nvPr>
+            <p:ph type="body" idx="1"/>
+          </p:nvPr>
+        </p:nvSpPr>
+        <p:spPr/>
+        <p:txBody>
+          <a:bodyPr/>
+          <a:lstStyle/>
+          <a:p>
+            <a:endParaRPr lang="pl-PL"/>
+          </a:p>
+        </p:txBody>
+      </p:sp>
+      <p:sp>
+        <p:nvSpPr>
+          <p:cNvPr id="4" name="Symbol zastępczy numeru slajdu 3"/>
+          <p:cNvSpPr>
+            <a:spLocks noGrp="1"/>
+          </p:cNvSpPr>
+          <p:nvPr>
+            <p:ph type="sldNum" sz="quarter" idx="5"/>
+          </p:nvPr>
+        </p:nvSpPr>
+        <p:spPr/>
+        <p:txBody>
+          <a:bodyPr/>
+          <a:lstStyle/>
+          <a:p>
+            <a:pPr rtl="0"/>
+            <a:fld id="{35BAF473-2665-42A7-89E3-C7BA7EB58D12}" type="slidenum">
+              <a:rPr lang="pl-PL" smtClean="0"/>
+              <a:t>9</a:t>
+            </a:fld>
+            <a:endParaRPr lang="pl-PL"/>
+          </a:p>
+        </p:txBody>
+      </p:sp>
+    </p:spTree>
+    <p:extLst>
+      <p:ext uri="{BB962C8B-B14F-4D97-AF65-F5344CB8AC3E}">
+        <p14:creationId xmlns:p14="http://schemas.microsoft.com/office/powerpoint/2010/main" val="631881655"/>
       </p:ext>
     </p:extLst>
   </p:cSld>
@@ -10281,207 +10219,6 @@
 </p:sld>
 </file>
 
-<file path=ppt/slides/slide10.xml><?xml version="1.0" encoding="utf-8"?>
-<p:sld xmlns:a="http://schemas.openxmlformats.org/drawingml/2006/main" xmlns:r="http://schemas.openxmlformats.org/officeDocument/2006/relationships" xmlns:p="http://schemas.openxmlformats.org/presentationml/2006/main">
-  <p:cSld>
-    <p:spTree>
-      <p:nvGrpSpPr>
-        <p:cNvPr id="1" name=""/>
-        <p:cNvGrpSpPr/>
-        <p:nvPr/>
-      </p:nvGrpSpPr>
-      <p:grpSpPr>
-        <a:xfrm>
-          <a:off x="0" y="0"/>
-          <a:ext cx="0" cy="0"/>
-          <a:chOff x="0" y="0"/>
-          <a:chExt cx="0" cy="0"/>
-        </a:xfrm>
-      </p:grpSpPr>
-      <p:sp>
-        <p:nvSpPr>
-          <p:cNvPr id="2" name="Tytuł 1">
-            <a:extLst>
-              <a:ext uri="{FF2B5EF4-FFF2-40B4-BE49-F238E27FC236}">
-                <a16:creationId xmlns:a16="http://schemas.microsoft.com/office/drawing/2014/main" id="{BCCAEE93-8585-46D4-A7EC-F184E317CB2E}"/>
-              </a:ext>
-            </a:extLst>
-          </p:cNvPr>
-          <p:cNvSpPr>
-            <a:spLocks noGrp="1"/>
-          </p:cNvSpPr>
-          <p:nvPr>
-            <p:ph type="ctrTitle"/>
-          </p:nvPr>
-        </p:nvSpPr>
-        <p:spPr>
-          <a:xfrm>
-            <a:off x="838200" y="2313571"/>
-            <a:ext cx="4419600" cy="1659716"/>
-          </a:xfrm>
-        </p:spPr>
-        <p:txBody>
-          <a:bodyPr rtlCol="0"/>
-          <a:lstStyle/>
-          <a:p>
-            <a:pPr rtl="0"/>
-            <a:r>
-              <a:rPr lang="pl-PL"/>
-              <a:t>Dziękujemy</a:t>
-            </a:r>
-          </a:p>
-        </p:txBody>
-      </p:sp>
-      <p:sp>
-        <p:nvSpPr>
-          <p:cNvPr id="3" name="Zawartość — symbol zastępczy 2">
-            <a:extLst>
-              <a:ext uri="{FF2B5EF4-FFF2-40B4-BE49-F238E27FC236}">
-                <a16:creationId xmlns:a16="http://schemas.microsoft.com/office/drawing/2014/main" id="{24AFFC60-19C3-4901-93F7-7AAF4C09F8C6}"/>
-              </a:ext>
-            </a:extLst>
-          </p:cNvPr>
-          <p:cNvSpPr>
-            <a:spLocks noGrp="1"/>
-          </p:cNvSpPr>
-          <p:nvPr>
-            <p:ph type="subTitle" idx="1"/>
-          </p:nvPr>
-        </p:nvSpPr>
-        <p:spPr>
-          <a:xfrm>
-            <a:off x="7772402" y="2348318"/>
-            <a:ext cx="3767326" cy="1659715"/>
-          </a:xfrm>
-        </p:spPr>
-        <p:txBody>
-          <a:bodyPr rtlCol="0">
-            <a:normAutofit/>
-          </a:bodyPr>
-          <a:lstStyle/>
-          <a:p>
-            <a:pPr rtl="0"/>
-            <a:r>
-              <a:rPr lang="pl-PL" dirty="0"/>
-              <a:t>Kamil Warczek</a:t>
-            </a:r>
-          </a:p>
-          <a:p>
-            <a:pPr rtl="0"/>
-            <a:r>
-              <a:rPr lang="pl-PL" dirty="0">
-                <a:solidFill>
-                  <a:schemeClr val="bg1">
-                    <a:lumMod val="75000"/>
-                  </a:schemeClr>
-                </a:solidFill>
-              </a:rPr>
-              <a:t>kw316241@student.polsl.pl</a:t>
-            </a:r>
-          </a:p>
-          <a:p>
-            <a:pPr rtl="0"/>
-            <a:r>
-              <a:rPr lang="pl-PL" dirty="0"/>
-              <a:t>Antoni Surowy</a:t>
-            </a:r>
-          </a:p>
-          <a:p>
-            <a:r>
-              <a:rPr lang="pl-PL" dirty="0">
-                <a:solidFill>
-                  <a:schemeClr val="bg1">
-                    <a:lumMod val="75000"/>
-                  </a:schemeClr>
-                </a:solidFill>
-              </a:rPr>
-              <a:t>as316262@student.polsl.pl</a:t>
-            </a:r>
-          </a:p>
-        </p:txBody>
-      </p:sp>
-      <p:sp>
-        <p:nvSpPr>
-          <p:cNvPr id="11" name="Stopka — symbol zastępczy 10">
-            <a:extLst>
-              <a:ext uri="{FF2B5EF4-FFF2-40B4-BE49-F238E27FC236}">
-                <a16:creationId xmlns:a16="http://schemas.microsoft.com/office/drawing/2014/main" id="{1BD5936D-597B-433D-BAF2-72206FECA924}"/>
-              </a:ext>
-            </a:extLst>
-          </p:cNvPr>
-          <p:cNvSpPr>
-            <a:spLocks noGrp="1"/>
-          </p:cNvSpPr>
-          <p:nvPr>
-            <p:ph type="ftr" sz="quarter" idx="11"/>
-          </p:nvPr>
-        </p:nvSpPr>
-        <p:spPr>
-          <a:xfrm>
-            <a:off x="2743200" y="6356350"/>
-            <a:ext cx="3035808" cy="365125"/>
-          </a:xfrm>
-        </p:spPr>
-        <p:txBody>
-          <a:bodyPr rtlCol="0"/>
-          <a:lstStyle/>
-          <a:p>
-            <a:r>
-              <a:rPr lang="pl-PL" dirty="0"/>
-              <a:t>Projekt aplikacji symulacji układu automatycznej regulacji</a:t>
-            </a:r>
-          </a:p>
-        </p:txBody>
-      </p:sp>
-      <p:sp>
-        <p:nvSpPr>
-          <p:cNvPr id="12" name="Numer slajdu — symbol zastępczy 11">
-            <a:extLst>
-              <a:ext uri="{FF2B5EF4-FFF2-40B4-BE49-F238E27FC236}">
-                <a16:creationId xmlns:a16="http://schemas.microsoft.com/office/drawing/2014/main" id="{2257BCF9-933D-4329-B564-4E404B1CAFF6}"/>
-              </a:ext>
-            </a:extLst>
-          </p:cNvPr>
-          <p:cNvSpPr>
-            <a:spLocks noGrp="1"/>
-          </p:cNvSpPr>
-          <p:nvPr>
-            <p:ph type="sldNum" sz="quarter" idx="12"/>
-          </p:nvPr>
-        </p:nvSpPr>
-        <p:spPr>
-          <a:xfrm>
-            <a:off x="8610600" y="6356350"/>
-            <a:ext cx="2743200" cy="365125"/>
-          </a:xfrm>
-        </p:spPr>
-        <p:txBody>
-          <a:bodyPr rtlCol="0"/>
-          <a:lstStyle/>
-          <a:p>
-            <a:pPr rtl="0"/>
-            <a:fld id="{B5CEABB6-07DC-46E8-9B57-56EC44A396E5}" type="slidenum">
-              <a:rPr lang="pl-PL" smtClean="0"/>
-              <a:pPr rtl="0"/>
-              <a:t>10</a:t>
-            </a:fld>
-            <a:endParaRPr lang="pl-PL"/>
-          </a:p>
-        </p:txBody>
-      </p:sp>
-    </p:spTree>
-    <p:extLst>
-      <p:ext uri="{BB962C8B-B14F-4D97-AF65-F5344CB8AC3E}">
-        <p14:creationId xmlns:p14="http://schemas.microsoft.com/office/powerpoint/2010/main" val="3242998563"/>
-      </p:ext>
-    </p:extLst>
-  </p:cSld>
-  <p:clrMapOvr>
-    <a:masterClrMapping/>
-  </p:clrMapOvr>
-</p:sld>
-</file>
-
 <file path=ppt/slides/slide2.xml><?xml version="1.0" encoding="utf-8"?>
 <p:sld xmlns:a="http://schemas.openxmlformats.org/drawingml/2006/main" xmlns:r="http://schemas.openxmlformats.org/officeDocument/2006/relationships" xmlns:p="http://schemas.openxmlformats.org/presentationml/2006/main">
   <p:cSld>
@@ -10537,64 +10274,6 @@
       </p:sp>
       <p:sp>
         <p:nvSpPr>
-          <p:cNvPr id="11" name="Tekst — symbol zastępczy 10">
-            <a:extLst>
-              <a:ext uri="{FF2B5EF4-FFF2-40B4-BE49-F238E27FC236}">
-                <a16:creationId xmlns:a16="http://schemas.microsoft.com/office/drawing/2014/main" id="{35224851-6D42-4702-BA6E-1D6E311B0FC5}"/>
-              </a:ext>
-            </a:extLst>
-          </p:cNvPr>
-          <p:cNvSpPr>
-            <a:spLocks noGrp="1"/>
-          </p:cNvSpPr>
-          <p:nvPr>
-            <p:ph idx="1"/>
-          </p:nvPr>
-        </p:nvSpPr>
-        <p:spPr>
-          <a:xfrm>
-            <a:off x="3253740" y="5776595"/>
-            <a:ext cx="5684520" cy="365126"/>
-          </a:xfrm>
-        </p:spPr>
-        <p:txBody>
-          <a:bodyPr rtlCol="0"/>
-          <a:lstStyle/>
-          <a:p>
-            <a:pPr rtl="0"/>
-            <a:r>
-              <a:rPr lang="pl-PL" dirty="0"/>
-              <a:t>Stworzono przy pomocy </a:t>
-            </a:r>
-            <a:r>
-              <a:rPr lang="pl-PL" dirty="0">
-                <a:solidFill>
-                  <a:schemeClr val="accent3">
-                    <a:lumMod val="75000"/>
-                  </a:schemeClr>
-                </a:solidFill>
-                <a:hlinkClick r:id="rId3">
-                  <a:extLst>
-                    <a:ext uri="{A12FA001-AC4F-418D-AE19-62706E023703}">
-                      <ahyp:hlinkClr xmlns:ahyp="http://schemas.microsoft.com/office/drawing/2018/hyperlinkcolor" val="tx"/>
-                    </a:ext>
-                  </a:extLst>
-                </a:hlinkClick>
-              </a:rPr>
-              <a:t>UMLet</a:t>
-            </a:r>
-            <a:endParaRPr lang="pl-PL" dirty="0">
-              <a:solidFill>
-                <a:schemeClr val="accent3">
-                  <a:lumMod val="75000"/>
-                </a:schemeClr>
-              </a:solidFill>
-            </a:endParaRPr>
-          </a:p>
-        </p:txBody>
-      </p:sp>
-      <p:sp>
-        <p:nvSpPr>
           <p:cNvPr id="93" name="Data — symbol zastępczy 92">
             <a:extLst>
               <a:ext uri="{FF2B5EF4-FFF2-40B4-BE49-F238E27FC236}">
@@ -10680,6 +10359,67 @@
           </a:p>
         </p:txBody>
       </p:sp>
+      <p:sp>
+        <p:nvSpPr>
+          <p:cNvPr id="6" name="Symbol zastępczy zawartości 5">
+            <a:extLst>
+              <a:ext uri="{FF2B5EF4-FFF2-40B4-BE49-F238E27FC236}">
+                <a16:creationId xmlns:a16="http://schemas.microsoft.com/office/drawing/2014/main" id="{1E202788-8FED-75A2-9D57-AABA37C449E3}"/>
+              </a:ext>
+            </a:extLst>
+          </p:cNvPr>
+          <p:cNvSpPr>
+            <a:spLocks noGrp="1"/>
+          </p:cNvSpPr>
+          <p:nvPr>
+            <p:ph idx="1"/>
+          </p:nvPr>
+        </p:nvSpPr>
+        <p:spPr/>
+        <p:txBody>
+          <a:bodyPr/>
+          <a:lstStyle/>
+          <a:p>
+            <a:endParaRPr lang="pl-PL"/>
+          </a:p>
+        </p:txBody>
+      </p:sp>
+      <p:pic>
+        <p:nvPicPr>
+          <p:cNvPr id="7" name="Grafika 6">
+            <a:extLst>
+              <a:ext uri="{FF2B5EF4-FFF2-40B4-BE49-F238E27FC236}">
+                <a16:creationId xmlns:a16="http://schemas.microsoft.com/office/drawing/2014/main" id="{F6F439EB-B353-7AC7-5416-5C46AB92D314}"/>
+              </a:ext>
+            </a:extLst>
+          </p:cNvPr>
+          <p:cNvPicPr>
+            <a:picLocks noChangeAspect="1"/>
+          </p:cNvPicPr>
+          <p:nvPr/>
+        </p:nvPicPr>
+        <p:blipFill>
+          <a:blip r:embed="rId3">
+            <a:extLst>
+              <a:ext uri="{96DAC541-7B7A-43D3-8B79-37D633B846F1}">
+                <asvg:svgBlip xmlns:asvg="http://schemas.microsoft.com/office/drawing/2016/SVG/main" r:embed="rId4"/>
+              </a:ext>
+            </a:extLst>
+          </a:blip>
+          <a:stretch>
+            <a:fillRect/>
+          </a:stretch>
+        </p:blipFill>
+        <p:spPr>
+          <a:xfrm>
+            <a:off x="2699030" y="416689"/>
+            <a:ext cx="6793940" cy="6024622"/>
+          </a:xfrm>
+          <a:prstGeom prst="rect">
+            <a:avLst/>
+          </a:prstGeom>
+        </p:spPr>
+      </p:pic>
     </p:spTree>
     <p:extLst>
       <p:ext uri="{BB962C8B-B14F-4D97-AF65-F5344CB8AC3E}">
@@ -10715,7 +10455,7 @@
           <p:cNvPr id="2" name="Tytuł 1">
             <a:extLst>
               <a:ext uri="{FF2B5EF4-FFF2-40B4-BE49-F238E27FC236}">
-                <a16:creationId xmlns:a16="http://schemas.microsoft.com/office/drawing/2014/main" id="{36AB90E9-5CEE-4E4F-90F9-2CE3D9135EAA}"/>
+                <a16:creationId xmlns:a16="http://schemas.microsoft.com/office/drawing/2014/main" id="{6719F29B-F233-48AF-8261-F33A4E079E3E}"/>
               </a:ext>
             </a:extLst>
           </p:cNvPr>
@@ -10726,162 +10466,87 @@
             <p:ph type="title"/>
           </p:nvPr>
         </p:nvSpPr>
-        <p:spPr/>
-        <p:txBody>
-          <a:bodyPr rtlCol="0"/>
+        <p:spPr>
+          <a:xfrm>
+            <a:off x="5669280" y="1060705"/>
+            <a:ext cx="5013960" cy="1873568"/>
+          </a:xfrm>
+        </p:spPr>
+        <p:txBody>
+          <a:bodyPr rtlCol="0">
+            <a:normAutofit fontScale="90000"/>
+          </a:bodyPr>
           <a:lstStyle/>
           <a:p>
             <a:pPr rtl="0"/>
             <a:r>
               <a:rPr lang="pl-PL" dirty="0"/>
-              <a:t>Planowany podział zadań</a:t>
-            </a:r>
-          </a:p>
-        </p:txBody>
-      </p:sp>
-      <p:sp>
-        <p:nvSpPr>
-          <p:cNvPr id="4" name="Content Placeholder 3">
-            <a:extLst>
-              <a:ext uri="{FF2B5EF4-FFF2-40B4-BE49-F238E27FC236}">
-                <a16:creationId xmlns:a16="http://schemas.microsoft.com/office/drawing/2014/main" id="{8912E278-70A2-1491-1E55-FC2E5B95445F}"/>
-              </a:ext>
-            </a:extLst>
-          </p:cNvPr>
-          <p:cNvSpPr>
-            <a:spLocks noGrp="1"/>
-          </p:cNvSpPr>
-          <p:nvPr>
-            <p:ph idx="10"/>
-          </p:nvPr>
-        </p:nvSpPr>
-        <p:spPr/>
-        <p:txBody>
-          <a:bodyPr/>
-          <a:lstStyle/>
-          <a:p>
-            <a:r>
-              <a:rPr lang="pl-PL" dirty="0"/>
-              <a:t>Warczek Kamil</a:t>
-            </a:r>
-          </a:p>
-        </p:txBody>
-      </p:sp>
-      <p:sp>
-        <p:nvSpPr>
-          <p:cNvPr id="7" name="Content Placeholder 6">
-            <a:extLst>
-              <a:ext uri="{FF2B5EF4-FFF2-40B4-BE49-F238E27FC236}">
-                <a16:creationId xmlns:a16="http://schemas.microsoft.com/office/drawing/2014/main" id="{F6868D93-0E18-A4E9-3C8D-A1C1F0D4347F}"/>
-              </a:ext>
-            </a:extLst>
-          </p:cNvPr>
-          <p:cNvSpPr>
-            <a:spLocks noGrp="1"/>
-          </p:cNvSpPr>
-          <p:nvPr>
-            <p:ph idx="13"/>
-          </p:nvPr>
-        </p:nvSpPr>
-        <p:spPr>
-          <a:xfrm>
-            <a:off x="2024740" y="3069773"/>
-            <a:ext cx="4334689" cy="2087443"/>
-          </a:xfrm>
-        </p:spPr>
-        <p:txBody>
-          <a:bodyPr/>
-          <a:lstStyle/>
-          <a:p>
-            <a:r>
-              <a:rPr lang="pl-PL" dirty="0"/>
-              <a:t>Zaprojektowanie graficznego interfejsu użytkownika</a:t>
-            </a:r>
-          </a:p>
-          <a:p>
-            <a:r>
-              <a:rPr lang="pl-PL" dirty="0"/>
-              <a:t>Implementacja logiki interfejsu graficznego</a:t>
-            </a:r>
-          </a:p>
-          <a:p>
-            <a:r>
-              <a:rPr lang="pl-PL" dirty="0"/>
-              <a:t>Przygotowanie testów warstwy danych oraz usług</a:t>
-            </a:r>
-          </a:p>
-          <a:p>
-            <a:endParaRPr lang="pl-PL" dirty="0"/>
-          </a:p>
-        </p:txBody>
-      </p:sp>
-      <p:sp>
-        <p:nvSpPr>
-          <p:cNvPr id="8" name="Content Placeholder 7">
-            <a:extLst>
-              <a:ext uri="{FF2B5EF4-FFF2-40B4-BE49-F238E27FC236}">
-                <a16:creationId xmlns:a16="http://schemas.microsoft.com/office/drawing/2014/main" id="{05ABC40C-C3E5-490F-6C8C-1DECDCA9F74C}"/>
-              </a:ext>
-            </a:extLst>
-          </p:cNvPr>
-          <p:cNvSpPr>
-            <a:spLocks noGrp="1"/>
-          </p:cNvSpPr>
-          <p:nvPr>
-            <p:ph idx="14"/>
-          </p:nvPr>
-        </p:nvSpPr>
-        <p:spPr>
-          <a:xfrm>
-            <a:off x="7019109" y="3069773"/>
-            <a:ext cx="4334689" cy="1886275"/>
-          </a:xfrm>
-        </p:spPr>
-        <p:txBody>
-          <a:bodyPr>
+              <a:t>Omówienie szczegółów implementacyjnych</a:t>
+            </a:r>
+          </a:p>
+        </p:txBody>
+      </p:sp>
+      <p:sp>
+        <p:nvSpPr>
+          <p:cNvPr id="3" name="Podtytuł 2">
+            <a:extLst>
+              <a:ext uri="{FF2B5EF4-FFF2-40B4-BE49-F238E27FC236}">
+                <a16:creationId xmlns:a16="http://schemas.microsoft.com/office/drawing/2014/main" id="{35E3EA69-4E0E-41BD-8095-A124225A2647}"/>
+              </a:ext>
+            </a:extLst>
+          </p:cNvPr>
+          <p:cNvSpPr>
+            <a:spLocks noGrp="1"/>
+          </p:cNvSpPr>
+          <p:nvPr>
+            <p:ph idx="1"/>
+          </p:nvPr>
+        </p:nvSpPr>
+        <p:spPr>
+          <a:xfrm>
+            <a:off x="5669280" y="3429000"/>
+            <a:ext cx="5013960" cy="1645571"/>
+          </a:xfrm>
+        </p:spPr>
+        <p:txBody>
+          <a:bodyPr vert="horz" lIns="91440" tIns="45720" rIns="91440" bIns="45720" rtlCol="0" anchor="t">
             <a:normAutofit/>
           </a:bodyPr>
           <a:lstStyle/>
           <a:p>
+            <a:pPr rtl="0"/>
             <a:r>
               <a:rPr lang="pl-PL" dirty="0"/>
-              <a:t>Projekt i realizacja schematu UML całej aplikacji</a:t>
-            </a:r>
-          </a:p>
-          <a:p>
+              <a:t>Implementacja ustawiania okresu generatora sprawiła najwięcej problemów. Problemem było zezwolenie tylko na n’te krotności pewnej wartości.</a:t>
+            </a:r>
+          </a:p>
+          <a:p>
+            <a:pPr rtl="0"/>
+            <a:endParaRPr lang="pl-PL" dirty="0"/>
+          </a:p>
+          <a:p>
+            <a:pPr rtl="0"/>
             <a:r>
               <a:rPr lang="pl-PL" dirty="0"/>
-              <a:t>Przygotowanie testów warstwy prezentacji</a:t>
-            </a:r>
-          </a:p>
-          <a:p>
-            <a:r>
-              <a:rPr lang="pl-PL" dirty="0"/>
-              <a:t>Zaprojektowanie warstwy danych i warstwy usług</a:t>
-            </a:r>
-          </a:p>
-          <a:p>
-            <a:r>
-              <a:rPr lang="pl-PL" dirty="0"/>
-              <a:t>Implementacja mechanizmów warstwy danych i warstwy usług</a:t>
-            </a:r>
-          </a:p>
-        </p:txBody>
-      </p:sp>
-      <p:sp>
-        <p:nvSpPr>
-          <p:cNvPr id="12" name="Data — symbol zastępczy 11">
-            <a:extLst>
-              <a:ext uri="{FF2B5EF4-FFF2-40B4-BE49-F238E27FC236}">
-                <a16:creationId xmlns:a16="http://schemas.microsoft.com/office/drawing/2014/main" id="{F068B7E0-3F26-4101-8308-9627365CCBAA}"/>
-              </a:ext>
-            </a:extLst>
-          </p:cNvPr>
-          <p:cNvSpPr>
-            <a:spLocks noGrp="1"/>
-          </p:cNvSpPr>
-          <p:nvPr>
-            <p:ph type="dt" sz="half" idx="17"/>
+              <a:t>Rozwiązanie umieściliśmy na następnycm slajdzie.</a:t>
+            </a:r>
+          </a:p>
+        </p:txBody>
+      </p:sp>
+      <p:sp>
+        <p:nvSpPr>
+          <p:cNvPr id="11" name="Data — symbol zastępczy 10">
+            <a:extLst>
+              <a:ext uri="{FF2B5EF4-FFF2-40B4-BE49-F238E27FC236}">
+                <a16:creationId xmlns:a16="http://schemas.microsoft.com/office/drawing/2014/main" id="{5837F6CC-F87E-4BF6-9EFE-DA537BAB6BE0}"/>
+              </a:ext>
+            </a:extLst>
+          </p:cNvPr>
+          <p:cNvSpPr>
+            <a:spLocks noGrp="1"/>
+          </p:cNvSpPr>
+          <p:nvPr>
+            <p:ph type="dt" sz="half" idx="10"/>
           </p:nvPr>
         </p:nvSpPr>
         <p:spPr/>
@@ -10889,7 +10554,6 @@
           <a:bodyPr rtlCol="0"/>
           <a:lstStyle/>
           <a:p>
-            <a:pPr rtl="0"/>
             <a:r>
               <a:rPr lang="pl-PL" dirty="0"/>
               <a:t>27.11.2025</a:t>
@@ -10899,18 +10563,18 @@
       </p:sp>
       <p:sp>
         <p:nvSpPr>
-          <p:cNvPr id="13" name="Stopka — symbol zastępczy 12">
-            <a:extLst>
-              <a:ext uri="{FF2B5EF4-FFF2-40B4-BE49-F238E27FC236}">
-                <a16:creationId xmlns:a16="http://schemas.microsoft.com/office/drawing/2014/main" id="{D53A5F38-6B02-4793-861F-931794577F84}"/>
-              </a:ext>
-            </a:extLst>
-          </p:cNvPr>
-          <p:cNvSpPr>
-            <a:spLocks noGrp="1"/>
-          </p:cNvSpPr>
-          <p:nvPr>
-            <p:ph type="ftr" sz="quarter" idx="18"/>
+          <p:cNvPr id="12" name="Stopka — symbol zastępczy 11">
+            <a:extLst>
+              <a:ext uri="{FF2B5EF4-FFF2-40B4-BE49-F238E27FC236}">
+                <a16:creationId xmlns:a16="http://schemas.microsoft.com/office/drawing/2014/main" id="{E80EA4A2-4719-41C0-949E-AF9166CAEB49}"/>
+              </a:ext>
+            </a:extLst>
+          </p:cNvPr>
+          <p:cNvSpPr>
+            <a:spLocks noGrp="1"/>
+          </p:cNvSpPr>
+          <p:nvPr>
+            <p:ph type="ftr" sz="quarter" idx="11"/>
           </p:nvPr>
         </p:nvSpPr>
         <p:spPr/>
@@ -10927,18 +10591,18 @@
       </p:sp>
       <p:sp>
         <p:nvSpPr>
-          <p:cNvPr id="14" name="Numer slajdu — symbol zastępczy 13">
-            <a:extLst>
-              <a:ext uri="{FF2B5EF4-FFF2-40B4-BE49-F238E27FC236}">
-                <a16:creationId xmlns:a16="http://schemas.microsoft.com/office/drawing/2014/main" id="{FF0DADF7-71F8-49DA-8F56-3DE812A6135B}"/>
-              </a:ext>
-            </a:extLst>
-          </p:cNvPr>
-          <p:cNvSpPr>
-            <a:spLocks noGrp="1"/>
-          </p:cNvSpPr>
-          <p:nvPr>
-            <p:ph type="sldNum" sz="quarter" idx="19"/>
+          <p:cNvPr id="13" name="Numer slajdu — symbol zastępczy 12">
+            <a:extLst>
+              <a:ext uri="{FF2B5EF4-FFF2-40B4-BE49-F238E27FC236}">
+                <a16:creationId xmlns:a16="http://schemas.microsoft.com/office/drawing/2014/main" id="{E97A1D68-0269-4F8D-8A4E-B8D9753C7D5A}"/>
+              </a:ext>
+            </a:extLst>
+          </p:cNvPr>
+          <p:cNvSpPr>
+            <a:spLocks noGrp="1"/>
+          </p:cNvSpPr>
+          <p:nvPr>
+            <p:ph type="sldNum" sz="quarter" idx="12"/>
           </p:nvPr>
         </p:nvSpPr>
         <p:spPr/>
@@ -10956,38 +10620,10 @@
           </a:p>
         </p:txBody>
       </p:sp>
-      <p:sp>
-        <p:nvSpPr>
-          <p:cNvPr id="15" name="Content Placeholder 14">
-            <a:extLst>
-              <a:ext uri="{FF2B5EF4-FFF2-40B4-BE49-F238E27FC236}">
-                <a16:creationId xmlns:a16="http://schemas.microsoft.com/office/drawing/2014/main" id="{CE3F5E69-0432-BF52-293D-30D73F332E41}"/>
-              </a:ext>
-            </a:extLst>
-          </p:cNvPr>
-          <p:cNvSpPr>
-            <a:spLocks noGrp="1"/>
-          </p:cNvSpPr>
-          <p:nvPr>
-            <p:ph idx="1"/>
-          </p:nvPr>
-        </p:nvSpPr>
-        <p:spPr/>
-        <p:txBody>
-          <a:bodyPr/>
-          <a:lstStyle/>
-          <a:p>
-            <a:r>
-              <a:rPr lang="pl-PL" dirty="0"/>
-              <a:t>Surowy Antoni</a:t>
-            </a:r>
-          </a:p>
-        </p:txBody>
-      </p:sp>
     </p:spTree>
     <p:extLst>
       <p:ext uri="{BB962C8B-B14F-4D97-AF65-F5344CB8AC3E}">
-        <p14:creationId xmlns:p14="http://schemas.microsoft.com/office/powerpoint/2010/main" val="4176750317"/>
+        <p14:creationId xmlns:p14="http://schemas.microsoft.com/office/powerpoint/2010/main" val="3980871660"/>
       </p:ext>
     </p:extLst>
   </p:cSld>
@@ -11016,93 +10652,10 @@
       </p:grpSpPr>
       <p:sp>
         <p:nvSpPr>
-          <p:cNvPr id="2" name="Tytuł 1">
-            <a:extLst>
-              <a:ext uri="{FF2B5EF4-FFF2-40B4-BE49-F238E27FC236}">
-                <a16:creationId xmlns:a16="http://schemas.microsoft.com/office/drawing/2014/main" id="{6719F29B-F233-48AF-8261-F33A4E079E3E}"/>
-              </a:ext>
-            </a:extLst>
-          </p:cNvPr>
-          <p:cNvSpPr>
-            <a:spLocks noGrp="1"/>
-          </p:cNvSpPr>
-          <p:nvPr>
-            <p:ph type="title"/>
-          </p:nvPr>
-        </p:nvSpPr>
-        <p:spPr>
-          <a:xfrm>
-            <a:off x="5669280" y="1060705"/>
-            <a:ext cx="5013960" cy="1873568"/>
-          </a:xfrm>
-        </p:spPr>
-        <p:txBody>
-          <a:bodyPr rtlCol="0">
-            <a:normAutofit fontScale="90000"/>
-          </a:bodyPr>
-          <a:lstStyle/>
-          <a:p>
-            <a:pPr rtl="0"/>
-            <a:r>
-              <a:rPr lang="pl-PL" dirty="0"/>
-              <a:t>Omówienie szczegółów implementacyjnych</a:t>
-            </a:r>
-          </a:p>
-        </p:txBody>
-      </p:sp>
-      <p:sp>
-        <p:nvSpPr>
-          <p:cNvPr id="3" name="Podtytuł 2">
-            <a:extLst>
-              <a:ext uri="{FF2B5EF4-FFF2-40B4-BE49-F238E27FC236}">
-                <a16:creationId xmlns:a16="http://schemas.microsoft.com/office/drawing/2014/main" id="{35E3EA69-4E0E-41BD-8095-A124225A2647}"/>
-              </a:ext>
-            </a:extLst>
-          </p:cNvPr>
-          <p:cNvSpPr>
-            <a:spLocks noGrp="1"/>
-          </p:cNvSpPr>
-          <p:nvPr>
-            <p:ph idx="1"/>
-          </p:nvPr>
-        </p:nvSpPr>
-        <p:spPr>
-          <a:xfrm>
-            <a:off x="5669280" y="3429000"/>
-            <a:ext cx="5013960" cy="1645571"/>
-          </a:xfrm>
-        </p:spPr>
-        <p:txBody>
-          <a:bodyPr vert="horz" lIns="91440" tIns="45720" rIns="91440" bIns="45720" rtlCol="0" anchor="t">
-            <a:normAutofit/>
-          </a:bodyPr>
-          <a:lstStyle/>
-          <a:p>
-            <a:pPr rtl="0"/>
-            <a:r>
-              <a:rPr lang="pl-PL" dirty="0"/>
-              <a:t>Implementacja ustawiania okresu generatora sprawiła najwięcej problemów. Problemem było zezwolenie tylko na n’te krotności pewnej wartości.</a:t>
-            </a:r>
-          </a:p>
-          <a:p>
-            <a:pPr rtl="0"/>
-            <a:endParaRPr lang="pl-PL" dirty="0"/>
-          </a:p>
-          <a:p>
-            <a:pPr rtl="0"/>
-            <a:r>
-              <a:rPr lang="pl-PL" dirty="0"/>
-              <a:t>Rozwiązanie umieściliśmy na następnycm slajdzie.</a:t>
-            </a:r>
-          </a:p>
-        </p:txBody>
-      </p:sp>
-      <p:sp>
-        <p:nvSpPr>
-          <p:cNvPr id="11" name="Data — symbol zastępczy 10">
-            <a:extLst>
-              <a:ext uri="{FF2B5EF4-FFF2-40B4-BE49-F238E27FC236}">
-                <a16:creationId xmlns:a16="http://schemas.microsoft.com/office/drawing/2014/main" id="{5837F6CC-F87E-4BF6-9EFE-DA537BAB6BE0}"/>
+          <p:cNvPr id="61" name="Data — symbol zastępczy 60">
+            <a:extLst>
+              <a:ext uri="{FF2B5EF4-FFF2-40B4-BE49-F238E27FC236}">
+                <a16:creationId xmlns:a16="http://schemas.microsoft.com/office/drawing/2014/main" id="{C5E86CA3-CC65-4085-BCDC-93141EBD238F}"/>
               </a:ext>
             </a:extLst>
           </p:cNvPr>
@@ -11127,10 +10680,10 @@
       </p:sp>
       <p:sp>
         <p:nvSpPr>
-          <p:cNvPr id="12" name="Stopka — symbol zastępczy 11">
-            <a:extLst>
-              <a:ext uri="{FF2B5EF4-FFF2-40B4-BE49-F238E27FC236}">
-                <a16:creationId xmlns:a16="http://schemas.microsoft.com/office/drawing/2014/main" id="{E80EA4A2-4719-41C0-949E-AF9166CAEB49}"/>
+          <p:cNvPr id="62" name="Stopka — symbol zastępczy 61">
+            <a:extLst>
+              <a:ext uri="{FF2B5EF4-FFF2-40B4-BE49-F238E27FC236}">
+                <a16:creationId xmlns:a16="http://schemas.microsoft.com/office/drawing/2014/main" id="{C1BA4316-79F5-4E35-B754-FEEFC06C1C66}"/>
               </a:ext>
             </a:extLst>
           </p:cNvPr>
@@ -11155,10 +10708,10 @@
       </p:sp>
       <p:sp>
         <p:nvSpPr>
-          <p:cNvPr id="13" name="Numer slajdu — symbol zastępczy 12">
-            <a:extLst>
-              <a:ext uri="{FF2B5EF4-FFF2-40B4-BE49-F238E27FC236}">
-                <a16:creationId xmlns:a16="http://schemas.microsoft.com/office/drawing/2014/main" id="{E97A1D68-0269-4F8D-8A4E-B8D9753C7D5A}"/>
+          <p:cNvPr id="63" name="Numer slajdu — symbol zastępczy 62">
+            <a:extLst>
+              <a:ext uri="{FF2B5EF4-FFF2-40B4-BE49-F238E27FC236}">
+                <a16:creationId xmlns:a16="http://schemas.microsoft.com/office/drawing/2014/main" id="{22B5CBBF-FB43-46F2-8846-3DF85C26528C}"/>
               </a:ext>
             </a:extLst>
           </p:cNvPr>
@@ -11184,221 +10737,36 @@
           </a:p>
         </p:txBody>
       </p:sp>
-    </p:spTree>
-    <p:extLst>
-      <p:ext uri="{BB962C8B-B14F-4D97-AF65-F5344CB8AC3E}">
-        <p14:creationId xmlns:p14="http://schemas.microsoft.com/office/powerpoint/2010/main" val="3980871660"/>
-      </p:ext>
-    </p:extLst>
-  </p:cSld>
-  <p:clrMapOvr>
-    <a:masterClrMapping/>
-  </p:clrMapOvr>
-</p:sld>
-</file>
-
-<file path=ppt/slides/slide5.xml><?xml version="1.0" encoding="utf-8"?>
-<p:sld xmlns:a="http://schemas.openxmlformats.org/drawingml/2006/main" xmlns:r="http://schemas.openxmlformats.org/officeDocument/2006/relationships" xmlns:p="http://schemas.openxmlformats.org/presentationml/2006/main">
-  <p:cSld>
-    <p:spTree>
-      <p:nvGrpSpPr>
-        <p:cNvPr id="1" name=""/>
-        <p:cNvGrpSpPr/>
-        <p:nvPr/>
-      </p:nvGrpSpPr>
-      <p:grpSpPr>
-        <a:xfrm>
-          <a:off x="0" y="0"/>
-          <a:ext cx="0" cy="0"/>
-          <a:chOff x="0" y="0"/>
-          <a:chExt cx="0" cy="0"/>
-        </a:xfrm>
-      </p:grpSpPr>
-      <p:sp>
-        <p:nvSpPr>
-          <p:cNvPr id="61" name="Data — symbol zastępczy 60">
-            <a:extLst>
-              <a:ext uri="{FF2B5EF4-FFF2-40B4-BE49-F238E27FC236}">
-                <a16:creationId xmlns:a16="http://schemas.microsoft.com/office/drawing/2014/main" id="{C5E86CA3-CC65-4085-BCDC-93141EBD238F}"/>
-              </a:ext>
-            </a:extLst>
-          </p:cNvPr>
-          <p:cNvSpPr>
-            <a:spLocks noGrp="1"/>
-          </p:cNvSpPr>
-          <p:nvPr>
-            <p:ph type="dt" sz="half" idx="10"/>
-          </p:nvPr>
-        </p:nvSpPr>
-        <p:spPr/>
-        <p:txBody>
-          <a:bodyPr rtlCol="0"/>
-          <a:lstStyle/>
-          <a:p>
-            <a:r>
-              <a:rPr lang="pl-PL" dirty="0"/>
-              <a:t>27.11.2025</a:t>
-            </a:r>
-          </a:p>
-        </p:txBody>
-      </p:sp>
-      <p:sp>
-        <p:nvSpPr>
-          <p:cNvPr id="62" name="Stopka — symbol zastępczy 61">
-            <a:extLst>
-              <a:ext uri="{FF2B5EF4-FFF2-40B4-BE49-F238E27FC236}">
-                <a16:creationId xmlns:a16="http://schemas.microsoft.com/office/drawing/2014/main" id="{C1BA4316-79F5-4E35-B754-FEEFC06C1C66}"/>
-              </a:ext>
-            </a:extLst>
-          </p:cNvPr>
-          <p:cNvSpPr>
-            <a:spLocks noGrp="1"/>
-          </p:cNvSpPr>
-          <p:nvPr>
-            <p:ph type="ftr" sz="quarter" idx="11"/>
-          </p:nvPr>
-        </p:nvSpPr>
-        <p:spPr/>
-        <p:txBody>
-          <a:bodyPr rtlCol="0"/>
-          <a:lstStyle/>
-          <a:p>
-            <a:r>
-              <a:rPr lang="pl-PL" dirty="0"/>
-              <a:t>Projekt aplikacji symulacji układu automatycznej regulacji</a:t>
-            </a:r>
-          </a:p>
-        </p:txBody>
-      </p:sp>
-      <p:sp>
-        <p:nvSpPr>
-          <p:cNvPr id="63" name="Numer slajdu — symbol zastępczy 62">
-            <a:extLst>
-              <a:ext uri="{FF2B5EF4-FFF2-40B4-BE49-F238E27FC236}">
-                <a16:creationId xmlns:a16="http://schemas.microsoft.com/office/drawing/2014/main" id="{22B5CBBF-FB43-46F2-8846-3DF85C26528C}"/>
-              </a:ext>
-            </a:extLst>
-          </p:cNvPr>
-          <p:cNvSpPr>
-            <a:spLocks noGrp="1"/>
-          </p:cNvSpPr>
-          <p:nvPr>
-            <p:ph type="sldNum" sz="quarter" idx="12"/>
-          </p:nvPr>
-        </p:nvSpPr>
-        <p:spPr/>
-        <p:txBody>
-          <a:bodyPr rtlCol="0"/>
-          <a:lstStyle/>
-          <a:p>
-            <a:pPr rtl="0"/>
-            <a:fld id="{B5CEABB6-07DC-46E8-9B57-56EC44A396E5}" type="slidenum">
-              <a:rPr lang="pl-PL" smtClean="0"/>
-              <a:pPr rtl="0"/>
-              <a:t>5</a:t>
-            </a:fld>
-            <a:endParaRPr lang="pl-PL"/>
-          </a:p>
-        </p:txBody>
-      </p:sp>
-      <p:sp>
-        <p:nvSpPr>
-          <p:cNvPr id="6" name="Rectangle 5">
-            <a:extLst>
-              <a:ext uri="{FF2B5EF4-FFF2-40B4-BE49-F238E27FC236}">
-                <a16:creationId xmlns:a16="http://schemas.microsoft.com/office/drawing/2014/main" id="{D4CEB907-D423-0611-A132-A9CBC03DB84E}"/>
-              </a:ext>
-            </a:extLst>
-          </p:cNvPr>
-          <p:cNvSpPr/>
+      <p:pic>
+        <p:nvPicPr>
+          <p:cNvPr id="3" name="Obraz 2" descr="Obraz zawierający tekst, zrzut ekranu, Czcionka&#10;&#10;Zawartość wygenerowana przez AI może być niepoprawna.">
+            <a:extLst>
+              <a:ext uri="{FF2B5EF4-FFF2-40B4-BE49-F238E27FC236}">
+                <a16:creationId xmlns:a16="http://schemas.microsoft.com/office/drawing/2014/main" id="{6F78F70B-D145-8584-CBF2-97A149202904}"/>
+              </a:ext>
+            </a:extLst>
+          </p:cNvPr>
+          <p:cNvPicPr>
+            <a:picLocks noChangeAspect="1"/>
+          </p:cNvPicPr>
           <p:nvPr/>
-        </p:nvSpPr>
-        <p:spPr>
-          <a:xfrm>
-            <a:off x="5678424" y="566928"/>
-            <a:ext cx="4700016" cy="1783398"/>
+        </p:nvPicPr>
+        <p:blipFill>
+          <a:blip r:embed="rId3"/>
+          <a:stretch>
+            <a:fillRect/>
+          </a:stretch>
+        </p:blipFill>
+        <p:spPr>
+          <a:xfrm>
+            <a:off x="325205" y="1524964"/>
+            <a:ext cx="11541590" cy="1904036"/>
           </a:xfrm>
           <a:prstGeom prst="rect">
             <a:avLst/>
           </a:prstGeom>
         </p:spPr>
-        <p:style>
-          <a:lnRef idx="2">
-            <a:schemeClr val="accent1">
-              <a:shade val="15000"/>
-            </a:schemeClr>
-          </a:lnRef>
-          <a:fillRef idx="1">
-            <a:schemeClr val="accent1"/>
-          </a:fillRef>
-          <a:effectRef idx="0">
-            <a:schemeClr val="accent1"/>
-          </a:effectRef>
-          <a:fontRef idx="minor">
-            <a:schemeClr val="lt1"/>
-          </a:fontRef>
-        </p:style>
-        <p:txBody>
-          <a:bodyPr rtlCol="0" anchor="ctr"/>
-          <a:lstStyle/>
-          <a:p>
-            <a:pPr algn="ctr"/>
-            <a:r>
-              <a:rPr lang="pl-PL" dirty="0"/>
-              <a:t>KOD</a:t>
-            </a:r>
-          </a:p>
-        </p:txBody>
-      </p:sp>
-      <p:sp>
-        <p:nvSpPr>
-          <p:cNvPr id="7" name="Rectangle 6">
-            <a:extLst>
-              <a:ext uri="{FF2B5EF4-FFF2-40B4-BE49-F238E27FC236}">
-                <a16:creationId xmlns:a16="http://schemas.microsoft.com/office/drawing/2014/main" id="{D040FDD6-1943-D22B-1FA6-0888FDA9B419}"/>
-              </a:ext>
-            </a:extLst>
-          </p:cNvPr>
-          <p:cNvSpPr/>
-          <p:nvPr/>
-        </p:nvSpPr>
-        <p:spPr>
-          <a:xfrm>
-            <a:off x="5678424" y="2569940"/>
-            <a:ext cx="4700016" cy="3007900"/>
-          </a:xfrm>
-          <a:prstGeom prst="rect">
-            <a:avLst/>
-          </a:prstGeom>
-        </p:spPr>
-        <p:style>
-          <a:lnRef idx="2">
-            <a:schemeClr val="accent1">
-              <a:shade val="15000"/>
-            </a:schemeClr>
-          </a:lnRef>
-          <a:fillRef idx="1">
-            <a:schemeClr val="accent1"/>
-          </a:fillRef>
-          <a:effectRef idx="0">
-            <a:schemeClr val="accent1"/>
-          </a:effectRef>
-          <a:fontRef idx="minor">
-            <a:schemeClr val="lt1"/>
-          </a:fontRef>
-        </p:style>
-        <p:txBody>
-          <a:bodyPr rtlCol="0" anchor="ctr"/>
-          <a:lstStyle/>
-          <a:p>
-            <a:pPr algn="ctr"/>
-            <a:r>
-              <a:rPr lang="pl-PL" dirty="0"/>
-              <a:t>KOD</a:t>
-            </a:r>
-          </a:p>
-        </p:txBody>
-      </p:sp>
+      </p:pic>
     </p:spTree>
     <p:extLst>
       <p:ext uri="{BB962C8B-B14F-4D97-AF65-F5344CB8AC3E}">
@@ -11412,7 +10780,7 @@
 </p:sld>
 </file>
 
-<file path=ppt/slides/slide6.xml><?xml version="1.0" encoding="utf-8"?>
+<file path=ppt/slides/slide5.xml><?xml version="1.0" encoding="utf-8"?>
 <p:sld xmlns:a="http://schemas.openxmlformats.org/drawingml/2006/main" xmlns:r="http://schemas.openxmlformats.org/officeDocument/2006/relationships" xmlns:p="http://schemas.openxmlformats.org/presentationml/2006/main">
   <p:cSld>
     <p:spTree>
@@ -11453,48 +10821,12 @@
         </p:nvSpPr>
         <p:spPr>
           <a:xfrm>
-            <a:off x="5646420" y="539497"/>
-            <a:ext cx="5013960" cy="1873568"/>
-          </a:xfrm>
-        </p:spPr>
-        <p:txBody>
-          <a:bodyPr rtlCol="0">
-            <a:normAutofit fontScale="90000"/>
-          </a:bodyPr>
-          <a:lstStyle/>
-          <a:p>
-            <a:pPr rtl="0"/>
-            <a:r>
-              <a:rPr lang="pl-PL" dirty="0"/>
-              <a:t>Omówienie szczegółów implementacyjnych</a:t>
-            </a:r>
-          </a:p>
-        </p:txBody>
-      </p:sp>
-      <p:sp>
-        <p:nvSpPr>
-          <p:cNvPr id="3" name="Podtytuł 2">
-            <a:extLst>
-              <a:ext uri="{FF2B5EF4-FFF2-40B4-BE49-F238E27FC236}">
-                <a16:creationId xmlns:a16="http://schemas.microsoft.com/office/drawing/2014/main" id="{2D0B2A31-0533-20D6-5696-02A58CB10843}"/>
-              </a:ext>
-            </a:extLst>
-          </p:cNvPr>
-          <p:cNvSpPr>
-            <a:spLocks noGrp="1"/>
-          </p:cNvSpPr>
-          <p:nvPr>
-            <p:ph idx="1"/>
-          </p:nvPr>
-        </p:nvSpPr>
-        <p:spPr>
-          <a:xfrm>
-            <a:off x="5646420" y="2606215"/>
-            <a:ext cx="5013960" cy="585042"/>
-          </a:xfrm>
-        </p:spPr>
-        <p:txBody>
-          <a:bodyPr vert="horz" lIns="91440" tIns="45720" rIns="91440" bIns="45720" rtlCol="0" anchor="t">
+            <a:off x="838200" y="365125"/>
+            <a:ext cx="10515600" cy="1325563"/>
+          </a:xfrm>
+        </p:spPr>
+        <p:txBody>
+          <a:bodyPr rtlCol="0" anchor="ctr">
             <a:normAutofit/>
           </a:bodyPr>
           <a:lstStyle/>
@@ -11502,7 +10834,43 @@
             <a:pPr rtl="0"/>
             <a:r>
               <a:rPr lang="pl-PL" dirty="0"/>
-              <a:t>Największą satysfakcję przyniosła implementacja algorytmu zmiany okresu generatora w „płynny” sposób.</a:t>
+              <a:t>Omówienie szczegółów implementacyjnych</a:t>
+            </a:r>
+          </a:p>
+        </p:txBody>
+      </p:sp>
+      <p:sp>
+        <p:nvSpPr>
+          <p:cNvPr id="3" name="Podtytuł 2">
+            <a:extLst>
+              <a:ext uri="{FF2B5EF4-FFF2-40B4-BE49-F238E27FC236}">
+                <a16:creationId xmlns:a16="http://schemas.microsoft.com/office/drawing/2014/main" id="{2D0B2A31-0533-20D6-5696-02A58CB10843}"/>
+              </a:ext>
+            </a:extLst>
+          </p:cNvPr>
+          <p:cNvSpPr>
+            <a:spLocks noGrp="1"/>
+          </p:cNvSpPr>
+          <p:nvPr>
+            <p:ph idx="1"/>
+          </p:nvPr>
+        </p:nvSpPr>
+        <p:spPr>
+          <a:xfrm>
+            <a:off x="4190036" y="2476983"/>
+            <a:ext cx="2940693" cy="3276464"/>
+          </a:xfrm>
+        </p:spPr>
+        <p:txBody>
+          <a:bodyPr vert="horz" lIns="91440" tIns="45720" rIns="91440" bIns="45720" rtlCol="0">
+            <a:normAutofit/>
+          </a:bodyPr>
+          <a:lstStyle/>
+          <a:p>
+            <a:pPr rtl="0"/>
+            <a:r>
+              <a:rPr lang="pl-PL" dirty="0"/>
+              <a:t>Największą satysfakcję przyniosła implementacja algorytmu losowania i wypisywania nieudanych testów.</a:t>
             </a:r>
           </a:p>
           <a:p>
@@ -11527,13 +10895,29 @@
             <p:ph type="dt" sz="half" idx="10"/>
           </p:nvPr>
         </p:nvSpPr>
-        <p:spPr/>
-        <p:txBody>
-          <a:bodyPr rtlCol="0"/>
+        <p:spPr>
+          <a:xfrm>
+            <a:off x="838200" y="6356350"/>
+            <a:ext cx="2743200" cy="365125"/>
+          </a:xfrm>
+        </p:spPr>
+        <p:txBody>
+          <a:bodyPr vert="horz" lIns="91440" tIns="45720" rIns="91440" bIns="45720" rtlCol="0" anchor="ctr">
+            <a:normAutofit/>
+          </a:bodyPr>
           <a:lstStyle/>
           <a:p>
-            <a:r>
-              <a:rPr lang="pl-PL" dirty="0"/>
+            <a:pPr>
+              <a:spcAft>
+                <a:spcPts val="600"/>
+              </a:spcAft>
+            </a:pPr>
+            <a:r>
+              <a:rPr lang="pl-PL" kern="1200">
+                <a:latin typeface="Calibri" panose="020F0502020204030204" pitchFamily="34" charset="0"/>
+                <a:ea typeface="+mn-ea"/>
+                <a:cs typeface="+mn-cs"/>
+              </a:rPr>
               <a:t>27.11.2025</a:t>
             </a:r>
           </a:p>
@@ -11555,13 +10939,29 @@
             <p:ph type="ftr" sz="quarter" idx="11"/>
           </p:nvPr>
         </p:nvSpPr>
-        <p:spPr/>
-        <p:txBody>
-          <a:bodyPr rtlCol="0"/>
+        <p:spPr>
+          <a:xfrm>
+            <a:off x="4038600" y="6356350"/>
+            <a:ext cx="4114800" cy="365125"/>
+          </a:xfrm>
+        </p:spPr>
+        <p:txBody>
+          <a:bodyPr vert="horz" lIns="91440" tIns="45720" rIns="91440" bIns="45720" rtlCol="0" anchor="ctr">
+            <a:normAutofit/>
+          </a:bodyPr>
           <a:lstStyle/>
           <a:p>
-            <a:r>
-              <a:rPr lang="pl-PL" dirty="0"/>
+            <a:pPr>
+              <a:spcAft>
+                <a:spcPts val="600"/>
+              </a:spcAft>
+            </a:pPr>
+            <a:r>
+              <a:rPr lang="pl-PL" kern="1200">
+                <a:latin typeface="Calibri" panose="020F0502020204030204" pitchFamily="34" charset="0"/>
+                <a:ea typeface="+mn-ea"/>
+                <a:cs typeface="+mn-cs"/>
+              </a:rPr>
               <a:t>Projekt aplikacji symulacji układu automatycznej regulacji</a:t>
             </a:r>
           </a:p>
@@ -11583,16 +10983,31 @@
             <p:ph type="sldNum" sz="quarter" idx="12"/>
           </p:nvPr>
         </p:nvSpPr>
-        <p:spPr/>
-        <p:txBody>
-          <a:bodyPr rtlCol="0"/>
+        <p:spPr>
+          <a:xfrm>
+            <a:off x="8610600" y="6356350"/>
+            <a:ext cx="2743200" cy="365125"/>
+          </a:xfrm>
+        </p:spPr>
+        <p:txBody>
+          <a:bodyPr vert="horz" lIns="91440" tIns="45720" rIns="91440" bIns="45720" rtlCol="0" anchor="ctr">
+            <a:normAutofit/>
+          </a:bodyPr>
           <a:lstStyle/>
           <a:p>
-            <a:pPr rtl="0"/>
+            <a:pPr>
+              <a:spcAft>
+                <a:spcPts val="600"/>
+              </a:spcAft>
+            </a:pPr>
             <a:fld id="{B5CEABB6-07DC-46E8-9B57-56EC44A396E5}" type="slidenum">
               <a:rPr lang="pl-PL" smtClean="0"/>
-              <a:pPr rtl="0"/>
-              <a:t>6</a:t>
+              <a:pPr>
+                <a:spcAft>
+                  <a:spcPts val="600"/>
+                </a:spcAft>
+              </a:pPr>
+              <a:t>5</a:t>
             </a:fld>
             <a:endParaRPr lang="pl-PL"/>
           </a:p>
@@ -11612,12 +11027,25 @@
         </p:nvSpPr>
         <p:spPr>
           <a:xfrm>
-            <a:off x="5733288" y="3794760"/>
-            <a:ext cx="4700016" cy="1783398"/>
+            <a:off x="7130729" y="1365504"/>
+            <a:ext cx="4348039" cy="4990846"/>
           </a:xfrm>
           <a:prstGeom prst="rect">
             <a:avLst/>
           </a:prstGeom>
+          <a:blipFill dpi="0" rotWithShape="1">
+            <a:blip r:embed="rId3">
+              <a:extLst>
+                <a:ext uri="{28A0092B-C50C-407E-A947-70E740481C1C}">
+                  <a14:useLocalDpi xmlns:a14="http://schemas.microsoft.com/office/drawing/2010/main" val="0"/>
+                </a:ext>
+              </a:extLst>
+            </a:blip>
+            <a:srcRect/>
+            <a:stretch>
+              <a:fillRect/>
+            </a:stretch>
+          </a:blipFill>
         </p:spPr>
         <p:style>
           <a:lnRef idx="2">
@@ -11636,14 +11064,21 @@
           </a:fontRef>
         </p:style>
         <p:txBody>
-          <a:bodyPr rtlCol="0" anchor="ctr"/>
+          <a:bodyPr rtlCol="0">
+            <a:normAutofit/>
+          </a:bodyPr>
           <a:lstStyle/>
           <a:p>
-            <a:pPr algn="ctr"/>
-            <a:r>
-              <a:rPr lang="pl-PL" dirty="0"/>
-              <a:t>KOD</a:t>
-            </a:r>
+            <a:pPr>
+              <a:spcAft>
+                <a:spcPts val="600"/>
+              </a:spcAft>
+            </a:pPr>
+            <a:endParaRPr lang="en-US" sz="1600" kern="1200" dirty="0">
+              <a:solidFill>
+                <a:schemeClr val="bg1"/>
+              </a:solidFill>
+            </a:endParaRPr>
           </a:p>
         </p:txBody>
       </p:sp>
@@ -11660,12 +11095,18 @@
 </p:sld>
 </file>
 
-<file path=ppt/slides/slide7.xml><?xml version="1.0" encoding="utf-8"?>
+<file path=ppt/slides/slide6.xml><?xml version="1.0" encoding="utf-8"?>
 <p:sld xmlns:a="http://schemas.openxmlformats.org/drawingml/2006/main" xmlns:r="http://schemas.openxmlformats.org/officeDocument/2006/relationships" xmlns:p="http://schemas.openxmlformats.org/presentationml/2006/main">
   <p:cSld>
     <p:spTree>
       <p:nvGrpSpPr>
-        <p:cNvPr id="1" name=""/>
+        <p:cNvPr id="1" name="">
+          <a:extLst>
+            <a:ext uri="{FF2B5EF4-FFF2-40B4-BE49-F238E27FC236}">
+              <a16:creationId xmlns:a16="http://schemas.microsoft.com/office/drawing/2014/main" id="{3FD8CD94-5CCB-D9DD-9DF6-1A8180DBAB0A}"/>
+            </a:ext>
+          </a:extLst>
+        </p:cNvPr>
         <p:cNvGrpSpPr/>
         <p:nvPr/>
       </p:nvGrpSpPr>
@@ -11682,7 +11123,7 @@
           <p:cNvPr id="2" name="Tytuł 1">
             <a:extLst>
               <a:ext uri="{FF2B5EF4-FFF2-40B4-BE49-F238E27FC236}">
-                <a16:creationId xmlns:a16="http://schemas.microsoft.com/office/drawing/2014/main" id="{75031FE9-9059-4FE8-B4AC-9771F23A1B89}"/>
+                <a16:creationId xmlns:a16="http://schemas.microsoft.com/office/drawing/2014/main" id="{F8C14065-EAC6-D1A6-8BDC-AFE9874DADF2}"/>
               </a:ext>
             </a:extLst>
           </p:cNvPr>
@@ -11718,7 +11159,7 @@
           <p:cNvPr id="113" name="Data — symbol zastępczy 112">
             <a:extLst>
               <a:ext uri="{FF2B5EF4-FFF2-40B4-BE49-F238E27FC236}">
-                <a16:creationId xmlns:a16="http://schemas.microsoft.com/office/drawing/2014/main" id="{7E8EF87C-1B5A-4A25-A610-FF5D18E265DE}"/>
+                <a16:creationId xmlns:a16="http://schemas.microsoft.com/office/drawing/2014/main" id="{9D49C0F8-5B63-BDEB-F77E-80B42663BE1C}"/>
               </a:ext>
             </a:extLst>
           </p:cNvPr>
@@ -11746,7 +11187,7 @@
           <p:cNvPr id="114" name="Stopka — symbol zastępczy 113">
             <a:extLst>
               <a:ext uri="{FF2B5EF4-FFF2-40B4-BE49-F238E27FC236}">
-                <a16:creationId xmlns:a16="http://schemas.microsoft.com/office/drawing/2014/main" id="{E1B2A7C1-7EE4-45F0-B54C-188E1133A98A}"/>
+                <a16:creationId xmlns:a16="http://schemas.microsoft.com/office/drawing/2014/main" id="{67A5FBB2-7BD2-8646-D2C5-C62A46AC0A27}"/>
               </a:ext>
             </a:extLst>
           </p:cNvPr>
@@ -11774,7 +11215,7 @@
           <p:cNvPr id="115" name="Numer slajdu — symbol zastępczy 114">
             <a:extLst>
               <a:ext uri="{FF2B5EF4-FFF2-40B4-BE49-F238E27FC236}">
-                <a16:creationId xmlns:a16="http://schemas.microsoft.com/office/drawing/2014/main" id="{47C21FD0-6144-422A-9727-F3249A6B5540}"/>
+                <a16:creationId xmlns:a16="http://schemas.microsoft.com/office/drawing/2014/main" id="{87E258C9-5670-D7F3-897B-CEE6D2F7BBD5}"/>
               </a:ext>
             </a:extLst>
           </p:cNvPr>
@@ -11794,65 +11235,16 @@
             <a:fld id="{B5CEABB6-07DC-46E8-9B57-56EC44A396E5}" type="slidenum">
               <a:rPr lang="pl-PL" smtClean="0"/>
               <a:pPr rtl="0"/>
-              <a:t>7</a:t>
+              <a:t>6</a:t>
             </a:fld>
             <a:endParaRPr lang="pl-PL"/>
-          </a:p>
-        </p:txBody>
-      </p:sp>
-      <p:sp>
-        <p:nvSpPr>
-          <p:cNvPr id="3" name="Rectangle 2">
-            <a:extLst>
-              <a:ext uri="{FF2B5EF4-FFF2-40B4-BE49-F238E27FC236}">
-                <a16:creationId xmlns:a16="http://schemas.microsoft.com/office/drawing/2014/main" id="{46741AAB-0040-5686-EC08-23E73D2ADF5D}"/>
-              </a:ext>
-            </a:extLst>
-          </p:cNvPr>
-          <p:cNvSpPr/>
-          <p:nvPr/>
-        </p:nvSpPr>
-        <p:spPr>
-          <a:xfrm>
-            <a:off x="1313686" y="602692"/>
-            <a:ext cx="9201913" cy="5710559"/>
-          </a:xfrm>
-          <a:prstGeom prst="rect">
-            <a:avLst/>
-          </a:prstGeom>
-        </p:spPr>
-        <p:style>
-          <a:lnRef idx="2">
-            <a:schemeClr val="accent1">
-              <a:shade val="15000"/>
-            </a:schemeClr>
-          </a:lnRef>
-          <a:fillRef idx="1">
-            <a:schemeClr val="accent1"/>
-          </a:fillRef>
-          <a:effectRef idx="0">
-            <a:schemeClr val="accent1"/>
-          </a:effectRef>
-          <a:fontRef idx="minor">
-            <a:schemeClr val="lt1"/>
-          </a:fontRef>
-        </p:style>
-        <p:txBody>
-          <a:bodyPr rtlCol="0" anchor="ctr"/>
-          <a:lstStyle/>
-          <a:p>
-            <a:pPr algn="ctr"/>
-            <a:r>
-              <a:rPr lang="pl-PL" dirty="0"/>
-              <a:t>KOD</a:t>
-            </a:r>
           </a:p>
         </p:txBody>
       </p:sp>
     </p:spTree>
     <p:extLst>
       <p:ext uri="{BB962C8B-B14F-4D97-AF65-F5344CB8AC3E}">
-        <p14:creationId xmlns:p14="http://schemas.microsoft.com/office/powerpoint/2010/main" val="1593920805"/>
+        <p14:creationId xmlns:p14="http://schemas.microsoft.com/office/powerpoint/2010/main" val="2383436169"/>
       </p:ext>
     </p:extLst>
   </p:cSld>
@@ -11862,7 +11254,7 @@
 </p:sld>
 </file>
 
-<file path=ppt/slides/slide8.xml><?xml version="1.0" encoding="utf-8"?>
+<file path=ppt/slides/slide7.xml><?xml version="1.0" encoding="utf-8"?>
 <p:sld xmlns:a="http://schemas.openxmlformats.org/drawingml/2006/main" xmlns:r="http://schemas.openxmlformats.org/officeDocument/2006/relationships" xmlns:p="http://schemas.openxmlformats.org/presentationml/2006/main">
   <p:cSld>
     <p:spTree>
@@ -12042,7 +11434,7 @@
             <a:fld id="{B5CEABB6-07DC-46E8-9B57-56EC44A396E5}" type="slidenum">
               <a:rPr lang="pl-PL" smtClean="0"/>
               <a:pPr rtl="0"/>
-              <a:t>8</a:t>
+              <a:t>7</a:t>
             </a:fld>
             <a:endParaRPr lang="pl-PL"/>
           </a:p>
@@ -12110,7 +11502,7 @@
 </p:sld>
 </file>
 
-<file path=ppt/slides/slide9.xml><?xml version="1.0" encoding="utf-8"?>
+<file path=ppt/slides/slide8.xml><?xml version="1.0" encoding="utf-8"?>
 <p:sld xmlns:a="http://schemas.openxmlformats.org/drawingml/2006/main" xmlns:r="http://schemas.openxmlformats.org/officeDocument/2006/relationships" xmlns:p="http://schemas.openxmlformats.org/presentationml/2006/main">
   <p:cSld>
     <p:spTree>
@@ -12290,7 +11682,7 @@
             <a:fld id="{B5CEABB6-07DC-46E8-9B57-56EC44A396E5}" type="slidenum">
               <a:rPr lang="pl-PL" smtClean="0"/>
               <a:pPr rtl="0"/>
-              <a:t>9</a:t>
+              <a:t>8</a:t>
             </a:fld>
             <a:endParaRPr lang="pl-PL"/>
           </a:p>
@@ -12349,6 +11741,207 @@
     <p:extLst>
       <p:ext uri="{BB962C8B-B14F-4D97-AF65-F5344CB8AC3E}">
         <p14:creationId xmlns:p14="http://schemas.microsoft.com/office/powerpoint/2010/main" val="779089081"/>
+      </p:ext>
+    </p:extLst>
+  </p:cSld>
+  <p:clrMapOvr>
+    <a:masterClrMapping/>
+  </p:clrMapOvr>
+</p:sld>
+</file>
+
+<file path=ppt/slides/slide9.xml><?xml version="1.0" encoding="utf-8"?>
+<p:sld xmlns:a="http://schemas.openxmlformats.org/drawingml/2006/main" xmlns:r="http://schemas.openxmlformats.org/officeDocument/2006/relationships" xmlns:p="http://schemas.openxmlformats.org/presentationml/2006/main">
+  <p:cSld>
+    <p:spTree>
+      <p:nvGrpSpPr>
+        <p:cNvPr id="1" name=""/>
+        <p:cNvGrpSpPr/>
+        <p:nvPr/>
+      </p:nvGrpSpPr>
+      <p:grpSpPr>
+        <a:xfrm>
+          <a:off x="0" y="0"/>
+          <a:ext cx="0" cy="0"/>
+          <a:chOff x="0" y="0"/>
+          <a:chExt cx="0" cy="0"/>
+        </a:xfrm>
+      </p:grpSpPr>
+      <p:sp>
+        <p:nvSpPr>
+          <p:cNvPr id="2" name="Tytuł 1">
+            <a:extLst>
+              <a:ext uri="{FF2B5EF4-FFF2-40B4-BE49-F238E27FC236}">
+                <a16:creationId xmlns:a16="http://schemas.microsoft.com/office/drawing/2014/main" id="{BCCAEE93-8585-46D4-A7EC-F184E317CB2E}"/>
+              </a:ext>
+            </a:extLst>
+          </p:cNvPr>
+          <p:cNvSpPr>
+            <a:spLocks noGrp="1"/>
+          </p:cNvSpPr>
+          <p:nvPr>
+            <p:ph type="ctrTitle"/>
+          </p:nvPr>
+        </p:nvSpPr>
+        <p:spPr>
+          <a:xfrm>
+            <a:off x="838200" y="2313571"/>
+            <a:ext cx="4419600" cy="1659716"/>
+          </a:xfrm>
+        </p:spPr>
+        <p:txBody>
+          <a:bodyPr rtlCol="0"/>
+          <a:lstStyle/>
+          <a:p>
+            <a:pPr rtl="0"/>
+            <a:r>
+              <a:rPr lang="pl-PL"/>
+              <a:t>Dziękujemy</a:t>
+            </a:r>
+          </a:p>
+        </p:txBody>
+      </p:sp>
+      <p:sp>
+        <p:nvSpPr>
+          <p:cNvPr id="3" name="Zawartość — symbol zastępczy 2">
+            <a:extLst>
+              <a:ext uri="{FF2B5EF4-FFF2-40B4-BE49-F238E27FC236}">
+                <a16:creationId xmlns:a16="http://schemas.microsoft.com/office/drawing/2014/main" id="{24AFFC60-19C3-4901-93F7-7AAF4C09F8C6}"/>
+              </a:ext>
+            </a:extLst>
+          </p:cNvPr>
+          <p:cNvSpPr>
+            <a:spLocks noGrp="1"/>
+          </p:cNvSpPr>
+          <p:nvPr>
+            <p:ph type="subTitle" idx="1"/>
+          </p:nvPr>
+        </p:nvSpPr>
+        <p:spPr>
+          <a:xfrm>
+            <a:off x="7772402" y="2348318"/>
+            <a:ext cx="3767326" cy="1659715"/>
+          </a:xfrm>
+        </p:spPr>
+        <p:txBody>
+          <a:bodyPr rtlCol="0">
+            <a:normAutofit/>
+          </a:bodyPr>
+          <a:lstStyle/>
+          <a:p>
+            <a:pPr rtl="0"/>
+            <a:r>
+              <a:rPr lang="pl-PL" dirty="0"/>
+              <a:t>Kamil Warczek</a:t>
+            </a:r>
+          </a:p>
+          <a:p>
+            <a:pPr rtl="0"/>
+            <a:r>
+              <a:rPr lang="pl-PL" dirty="0">
+                <a:solidFill>
+                  <a:schemeClr val="bg1">
+                    <a:lumMod val="75000"/>
+                  </a:schemeClr>
+                </a:solidFill>
+              </a:rPr>
+              <a:t>kw316241@student.polsl.pl</a:t>
+            </a:r>
+          </a:p>
+          <a:p>
+            <a:pPr rtl="0"/>
+            <a:r>
+              <a:rPr lang="pl-PL" dirty="0"/>
+              <a:t>Antoni Surowy</a:t>
+            </a:r>
+          </a:p>
+          <a:p>
+            <a:r>
+              <a:rPr lang="pl-PL" dirty="0">
+                <a:solidFill>
+                  <a:schemeClr val="bg1">
+                    <a:lumMod val="75000"/>
+                  </a:schemeClr>
+                </a:solidFill>
+              </a:rPr>
+              <a:t>as316262@student.polsl.pl</a:t>
+            </a:r>
+          </a:p>
+        </p:txBody>
+      </p:sp>
+      <p:sp>
+        <p:nvSpPr>
+          <p:cNvPr id="11" name="Stopka — symbol zastępczy 10">
+            <a:extLst>
+              <a:ext uri="{FF2B5EF4-FFF2-40B4-BE49-F238E27FC236}">
+                <a16:creationId xmlns:a16="http://schemas.microsoft.com/office/drawing/2014/main" id="{1BD5936D-597B-433D-BAF2-72206FECA924}"/>
+              </a:ext>
+            </a:extLst>
+          </p:cNvPr>
+          <p:cNvSpPr>
+            <a:spLocks noGrp="1"/>
+          </p:cNvSpPr>
+          <p:nvPr>
+            <p:ph type="ftr" sz="quarter" idx="11"/>
+          </p:nvPr>
+        </p:nvSpPr>
+        <p:spPr>
+          <a:xfrm>
+            <a:off x="2743200" y="6356350"/>
+            <a:ext cx="3035808" cy="365125"/>
+          </a:xfrm>
+        </p:spPr>
+        <p:txBody>
+          <a:bodyPr rtlCol="0"/>
+          <a:lstStyle/>
+          <a:p>
+            <a:r>
+              <a:rPr lang="pl-PL" dirty="0"/>
+              <a:t>Projekt aplikacji symulacji układu automatycznej regulacji</a:t>
+            </a:r>
+          </a:p>
+        </p:txBody>
+      </p:sp>
+      <p:sp>
+        <p:nvSpPr>
+          <p:cNvPr id="12" name="Numer slajdu — symbol zastępczy 11">
+            <a:extLst>
+              <a:ext uri="{FF2B5EF4-FFF2-40B4-BE49-F238E27FC236}">
+                <a16:creationId xmlns:a16="http://schemas.microsoft.com/office/drawing/2014/main" id="{2257BCF9-933D-4329-B564-4E404B1CAFF6}"/>
+              </a:ext>
+            </a:extLst>
+          </p:cNvPr>
+          <p:cNvSpPr>
+            <a:spLocks noGrp="1"/>
+          </p:cNvSpPr>
+          <p:nvPr>
+            <p:ph type="sldNum" sz="quarter" idx="12"/>
+          </p:nvPr>
+        </p:nvSpPr>
+        <p:spPr>
+          <a:xfrm>
+            <a:off x="8610600" y="6356350"/>
+            <a:ext cx="2743200" cy="365125"/>
+          </a:xfrm>
+        </p:spPr>
+        <p:txBody>
+          <a:bodyPr rtlCol="0"/>
+          <a:lstStyle/>
+          <a:p>
+            <a:pPr rtl="0"/>
+            <a:fld id="{B5CEABB6-07DC-46E8-9B57-56EC44A396E5}" type="slidenum">
+              <a:rPr lang="pl-PL" smtClean="0"/>
+              <a:pPr rtl="0"/>
+              <a:t>9</a:t>
+            </a:fld>
+            <a:endParaRPr lang="pl-PL"/>
+          </a:p>
+        </p:txBody>
+      </p:sp>
+    </p:spTree>
+    <p:extLst>
+      <p:ext uri="{BB962C8B-B14F-4D97-AF65-F5344CB8AC3E}">
+        <p14:creationId xmlns:p14="http://schemas.microsoft.com/office/powerpoint/2010/main" val="3242998563"/>
       </p:ext>
     </p:extLst>
   </p:cSld>
@@ -13150,34 +12743,6 @@
 </file>
 
 <file path=customXml/item1.xml><?xml version="1.0" encoding="utf-8"?>
-<?mso-contentType ?>
-<FormTemplates xmlns="http://schemas.microsoft.com/sharepoint/v3/contenttype/forms">
-  <Display>DocumentLibraryForm</Display>
-  <Edit>DocumentLibraryForm</Edit>
-  <New>DocumentLibraryForm</New>
-</FormTemplates>
-</file>
-
-<file path=customXml/item2.xml><?xml version="1.0" encoding="utf-8"?>
-<p:properties xmlns:p="http://schemas.microsoft.com/office/2006/metadata/properties" xmlns:xsi="http://www.w3.org/2001/XMLSchema-instance" xmlns:pc="http://schemas.microsoft.com/office/infopath/2007/PartnerControls">
-  <documentManagement>
-    <_ip_UnifiedCompliancePolicyUIAction xmlns="http://schemas.microsoft.com/sharepoint/v3" xsi:nil="true"/>
-    <Image xmlns="71af3243-3dd4-4a8d-8c0d-dd76da1f02a5">
-      <Url xsi:nil="true"/>
-      <Description xsi:nil="true"/>
-    </Image>
-    <Status xmlns="71af3243-3dd4-4a8d-8c0d-dd76da1f02a5">Not started</Status>
-    <_ip_UnifiedCompliancePolicyProperties xmlns="http://schemas.microsoft.com/sharepoint/v3" xsi:nil="true"/>
-    <ImageTagsTaxHTField xmlns="71af3243-3dd4-4a8d-8c0d-dd76da1f02a5">
-      <Terms xmlns="http://schemas.microsoft.com/office/infopath/2007/PartnerControls"/>
-    </ImageTagsTaxHTField>
-    <TaxCatchAll xmlns="230e9df3-be65-4c73-a93b-d1236ebd677e"/>
-    <MediaServiceKeyPoints xmlns="71af3243-3dd4-4a8d-8c0d-dd76da1f02a5" xsi:nil="true"/>
-  </documentManagement>
-</p:properties>
-</file>
-
-<file path=customXml/item3.xml><?xml version="1.0" encoding="utf-8"?>
 <ct:contentTypeSchema xmlns:ct="http://schemas.microsoft.com/office/2006/metadata/contentType" xmlns:ma="http://schemas.microsoft.com/office/2006/metadata/properties/metaAttributes" ct:_="" ma:_="" ma:contentTypeName="Document" ma:contentTypeID="0x01010079F111ED35F8CC479449609E8A0923A6" ma:contentTypeVersion="21" ma:contentTypeDescription="Create a new document." ma:contentTypeScope="" ma:versionID="64dfb1555687e0874b4304b796b5b0c7">
   <xsd:schema xmlns:xsd="http://www.w3.org/2001/XMLSchema" xmlns:xs="http://www.w3.org/2001/XMLSchema" xmlns:p="http://schemas.microsoft.com/office/2006/metadata/properties" xmlns:ns1="http://schemas.microsoft.com/sharepoint/v3" xmlns:ns2="71af3243-3dd4-4a8d-8c0d-dd76da1f02a5" xmlns:ns3="16c05727-aa75-4e4a-9b5f-8a80a1165891" xmlns:ns4="230e9df3-be65-4c73-a93b-d1236ebd677e" targetNamespace="http://schemas.microsoft.com/office/2006/metadata/properties" ma:root="true" ma:fieldsID="e6e4c555b5e194d05b7203de9c4567b3" ns1:_="" ns2:_="" ns3:_="" ns4:_="">
     <xsd:import namespace="http://schemas.microsoft.com/sharepoint/v3"/>
@@ -13459,27 +13024,35 @@
 </ct:contentTypeSchema>
 </file>
 
-<file path=customXml/itemProps1.xml><?xml version="1.0" encoding="utf-8"?>
-<ds:datastoreItem xmlns:ds="http://schemas.openxmlformats.org/officeDocument/2006/customXml" ds:itemID="{E618C13B-9D83-4AF4-B64D-33362D5133F8}">
-  <ds:schemaRefs>
-    <ds:schemaRef ds:uri="http://schemas.microsoft.com/sharepoint/v3/contenttype/forms"/>
-  </ds:schemaRefs>
-</ds:datastoreItem>
+<file path=customXml/item2.xml><?xml version="1.0" encoding="utf-8"?>
+<p:properties xmlns:p="http://schemas.microsoft.com/office/2006/metadata/properties" xmlns:xsi="http://www.w3.org/2001/XMLSchema-instance" xmlns:pc="http://schemas.microsoft.com/office/infopath/2007/PartnerControls">
+  <documentManagement>
+    <_ip_UnifiedCompliancePolicyUIAction xmlns="http://schemas.microsoft.com/sharepoint/v3" xsi:nil="true"/>
+    <Image xmlns="71af3243-3dd4-4a8d-8c0d-dd76da1f02a5">
+      <Url xsi:nil="true"/>
+      <Description xsi:nil="true"/>
+    </Image>
+    <Status xmlns="71af3243-3dd4-4a8d-8c0d-dd76da1f02a5">Not started</Status>
+    <_ip_UnifiedCompliancePolicyProperties xmlns="http://schemas.microsoft.com/sharepoint/v3" xsi:nil="true"/>
+    <ImageTagsTaxHTField xmlns="71af3243-3dd4-4a8d-8c0d-dd76da1f02a5">
+      <Terms xmlns="http://schemas.microsoft.com/office/infopath/2007/PartnerControls"/>
+    </ImageTagsTaxHTField>
+    <TaxCatchAll xmlns="230e9df3-be65-4c73-a93b-d1236ebd677e"/>
+    <MediaServiceKeyPoints xmlns="71af3243-3dd4-4a8d-8c0d-dd76da1f02a5" xsi:nil="true"/>
+  </documentManagement>
+</p:properties>
 </file>
 
-<file path=customXml/itemProps2.xml><?xml version="1.0" encoding="utf-8"?>
-<ds:datastoreItem xmlns:ds="http://schemas.openxmlformats.org/officeDocument/2006/customXml" ds:itemID="{CA4F7154-AFAC-4BE7-8A74-7F4B6FC2743C}">
-  <ds:schemaRefs>
-    <ds:schemaRef ds:uri="http://schemas.microsoft.com/office/2006/metadata/properties"/>
-    <ds:schemaRef ds:uri="http://schemas.microsoft.com/office/infopath/2007/PartnerControls"/>
-    <ds:schemaRef ds:uri="http://schemas.microsoft.com/sharepoint/v3"/>
-    <ds:schemaRef ds:uri="71af3243-3dd4-4a8d-8c0d-dd76da1f02a5"/>
-    <ds:schemaRef ds:uri="230e9df3-be65-4c73-a93b-d1236ebd677e"/>
-  </ds:schemaRefs>
-</ds:datastoreItem>
+<file path=customXml/item3.xml><?xml version="1.0" encoding="utf-8"?>
+<?mso-contentType ?>
+<FormTemplates xmlns="http://schemas.microsoft.com/sharepoint/v3/contenttype/forms">
+  <Display>DocumentLibraryForm</Display>
+  <Edit>DocumentLibraryForm</Edit>
+  <New>DocumentLibraryForm</New>
+</FormTemplates>
 </file>
 
-<file path=customXml/itemProps3.xml><?xml version="1.0" encoding="utf-8"?>
+<file path=customXml/itemProps1.xml><?xml version="1.0" encoding="utf-8"?>
 <ds:datastoreItem xmlns:ds="http://schemas.openxmlformats.org/officeDocument/2006/customXml" ds:itemID="{67ACD96E-49A0-4DA4-A7BB-AC2D8874213F}">
   <ds:schemaRefs>
     <ds:schemaRef ds:uri="http://schemas.microsoft.com/office/2006/metadata/contentType"/>
@@ -13500,6 +13073,26 @@
 </ds:datastoreItem>
 </file>
 
+<file path=customXml/itemProps2.xml><?xml version="1.0" encoding="utf-8"?>
+<ds:datastoreItem xmlns:ds="http://schemas.openxmlformats.org/officeDocument/2006/customXml" ds:itemID="{CA4F7154-AFAC-4BE7-8A74-7F4B6FC2743C}">
+  <ds:schemaRefs>
+    <ds:schemaRef ds:uri="http://schemas.microsoft.com/office/2006/metadata/properties"/>
+    <ds:schemaRef ds:uri="http://schemas.microsoft.com/office/infopath/2007/PartnerControls"/>
+    <ds:schemaRef ds:uri="http://schemas.microsoft.com/sharepoint/v3"/>
+    <ds:schemaRef ds:uri="71af3243-3dd4-4a8d-8c0d-dd76da1f02a5"/>
+    <ds:schemaRef ds:uri="230e9df3-be65-4c73-a93b-d1236ebd677e"/>
+  </ds:schemaRefs>
+</ds:datastoreItem>
+</file>
+
+<file path=customXml/itemProps3.xml><?xml version="1.0" encoding="utf-8"?>
+<ds:datastoreItem xmlns:ds="http://schemas.openxmlformats.org/officeDocument/2006/customXml" ds:itemID="{E618C13B-9D83-4AF4-B64D-33362D5133F8}">
+  <ds:schemaRefs>
+    <ds:schemaRef ds:uri="http://schemas.microsoft.com/sharepoint/v3/contenttype/forms"/>
+  </ds:schemaRefs>
+</ds:datastoreItem>
+</file>
+
 <file path=docMetadata/LabelInfo.xml><?xml version="1.0" encoding="utf-8"?>
 <clbl:labelList xmlns:clbl="http://schemas.microsoft.com/office/2020/mipLabelMetadata">
   <clbl:label id="{f42aa342-8706-4288-bd11-ebb85995028c}" enabled="1" method="Standard" siteId="{72f988bf-86f1-41af-91ab-2d7cd011db47}" removed="0"/>

--- a/etap2/Projekt aplikacji symulacji układu automatycznej regulacji.pptx
+++ b/etap2/Projekt aplikacji symulacji układu automatycznej regulacji.pptx
@@ -14,8 +14,8 @@
     <p:sldId id="256" r:id="rId5"/>
     <p:sldId id="283" r:id="rId6"/>
     <p:sldId id="287" r:id="rId7"/>
-    <p:sldId id="282" r:id="rId8"/>
-    <p:sldId id="291" r:id="rId9"/>
+    <p:sldId id="291" r:id="rId8"/>
+    <p:sldId id="295" r:id="rId9"/>
     <p:sldId id="294" r:id="rId10"/>
     <p:sldId id="292" r:id="rId11"/>
     <p:sldId id="293" r:id="rId12"/>
@@ -144,7 +144,7 @@
 <file path=ppt/revisionInfo.xml><?xml version="1.0" encoding="utf-8"?>
 <p1510:revInfo xmlns:a="http://schemas.openxmlformats.org/drawingml/2006/main" xmlns:r="http://schemas.openxmlformats.org/officeDocument/2006/relationships" xmlns:p1510="http://schemas.microsoft.com/office/powerpoint/2015/10/main">
   <p1510:revLst>
-    <p1510:client id="{292CBD96-9F2C-43A6-80A8-8FED8D6F3402}" v="6" dt="2025-11-26T19:54:57.100"/>
+    <p1510:client id="{292CBD96-9F2C-43A6-80A8-8FED8D6F3402}" v="11" dt="2025-11-28T14:16:20.071"/>
   </p1510:revLst>
 </p1510:revInfo>
 </file>
@@ -154,109 +154,22 @@
   <pc:docChgLst>
     <pc:chgData name="Kamil Warczek (kw316241)" userId="f3db8089-45d3-4ce7-81b6-9eb81915560c" providerId="ADAL" clId="{C3BDEFB5-E591-4296-8B5E-D036F4630AA8}"/>
     <pc:docChg chg="undo custSel addSld delSld modSld sldOrd">
-      <pc:chgData name="Kamil Warczek (kw316241)" userId="f3db8089-45d3-4ce7-81b6-9eb81915560c" providerId="ADAL" clId="{C3BDEFB5-E591-4296-8B5E-D036F4630AA8}" dt="2025-11-26T19:56:01.630" v="1226" actId="20577"/>
+      <pc:chgData name="Kamil Warczek (kw316241)" userId="f3db8089-45d3-4ce7-81b6-9eb81915560c" providerId="ADAL" clId="{C3BDEFB5-E591-4296-8B5E-D036F4630AA8}" dt="2025-11-28T14:16:31.504" v="1285" actId="1076"/>
       <pc:docMkLst>
         <pc:docMk/>
       </pc:docMkLst>
-      <pc:sldChg chg="addSp delSp modSp mod">
-        <pc:chgData name="Kamil Warczek (kw316241)" userId="f3db8089-45d3-4ce7-81b6-9eb81915560c" providerId="ADAL" clId="{C3BDEFB5-E591-4296-8B5E-D036F4630AA8}" dt="2025-11-26T19:54:42.527" v="1124" actId="1076"/>
-        <pc:sldMkLst>
-          <pc:docMk/>
-          <pc:sldMk cId="1593920805" sldId="262"/>
-        </pc:sldMkLst>
-        <pc:spChg chg="mod">
-          <ac:chgData name="Kamil Warczek (kw316241)" userId="f3db8089-45d3-4ce7-81b6-9eb81915560c" providerId="ADAL" clId="{C3BDEFB5-E591-4296-8B5E-D036F4630AA8}" dt="2025-11-26T19:54:27.328" v="1118" actId="20577"/>
-          <ac:spMkLst>
-            <pc:docMk/>
-            <pc:sldMk cId="1593920805" sldId="262"/>
-            <ac:spMk id="2" creationId="{75031FE9-9059-4FE8-B4AC-9771F23A1B89}"/>
-          </ac:spMkLst>
-        </pc:spChg>
-        <pc:spChg chg="add mod">
-          <ac:chgData name="Kamil Warczek (kw316241)" userId="f3db8089-45d3-4ce7-81b6-9eb81915560c" providerId="ADAL" clId="{C3BDEFB5-E591-4296-8B5E-D036F4630AA8}" dt="2025-11-26T19:54:42.527" v="1124" actId="1076"/>
-          <ac:spMkLst>
-            <pc:docMk/>
-            <pc:sldMk cId="1593920805" sldId="262"/>
-            <ac:spMk id="3" creationId="{46741AAB-0040-5686-EC08-23E73D2ADF5D}"/>
-          </ac:spMkLst>
-        </pc:spChg>
-        <pc:spChg chg="del">
-          <ac:chgData name="Kamil Warczek (kw316241)" userId="f3db8089-45d3-4ce7-81b6-9eb81915560c" providerId="ADAL" clId="{C3BDEFB5-E591-4296-8B5E-D036F4630AA8}" dt="2025-11-26T19:54:37.836" v="1122" actId="478"/>
-          <ac:spMkLst>
-            <pc:docMk/>
-            <pc:sldMk cId="1593920805" sldId="262"/>
-            <ac:spMk id="25" creationId="{AF2FDCAE-9EB6-7E6A-845B-F3872EFB69B8}"/>
-          </ac:spMkLst>
-        </pc:spChg>
-        <pc:spChg chg="mod">
-          <ac:chgData name="Kamil Warczek (kw316241)" userId="f3db8089-45d3-4ce7-81b6-9eb81915560c" providerId="ADAL" clId="{C3BDEFB5-E591-4296-8B5E-D036F4630AA8}" dt="2025-11-26T19:48:12.939" v="547" actId="20577"/>
-          <ac:spMkLst>
-            <pc:docMk/>
-            <pc:sldMk cId="1593920805" sldId="262"/>
-            <ac:spMk id="113" creationId="{7E8EF87C-1B5A-4A25-A610-FF5D18E265DE}"/>
-          </ac:spMkLst>
-        </pc:spChg>
-        <pc:picChg chg="del">
-          <ac:chgData name="Kamil Warczek (kw316241)" userId="f3db8089-45d3-4ce7-81b6-9eb81915560c" providerId="ADAL" clId="{C3BDEFB5-E591-4296-8B5E-D036F4630AA8}" dt="2025-11-26T19:54:33.877" v="1120" actId="478"/>
-          <ac:picMkLst>
-            <pc:docMk/>
-            <pc:sldMk cId="1593920805" sldId="262"/>
-            <ac:picMk id="4" creationId="{C0A10DEF-40EF-662A-8B60-7E432846908E}"/>
-          </ac:picMkLst>
-        </pc:picChg>
-      </pc:sldChg>
-      <pc:sldChg chg="addSp delSp modSp mod">
-        <pc:chgData name="Kamil Warczek (kw316241)" userId="f3db8089-45d3-4ce7-81b6-9eb81915560c" providerId="ADAL" clId="{C3BDEFB5-E591-4296-8B5E-D036F4630AA8}" dt="2025-11-26T19:54:02.782" v="1089" actId="14100"/>
+      <pc:sldChg chg="addSp delSp modSp del mod">
+        <pc:chgData name="Kamil Warczek (kw316241)" userId="f3db8089-45d3-4ce7-81b6-9eb81915560c" providerId="ADAL" clId="{C3BDEFB5-E591-4296-8B5E-D036F4630AA8}" dt="2025-11-28T14:12:57.193" v="1254" actId="47"/>
         <pc:sldMkLst>
           <pc:docMk/>
           <pc:sldMk cId="3477453048" sldId="282"/>
         </pc:sldMkLst>
-        <pc:spChg chg="del mod">
-          <ac:chgData name="Kamil Warczek (kw316241)" userId="f3db8089-45d3-4ce7-81b6-9eb81915560c" providerId="ADAL" clId="{C3BDEFB5-E591-4296-8B5E-D036F4630AA8}" dt="2025-11-26T19:52:32.871" v="956" actId="478"/>
-          <ac:spMkLst>
-            <pc:docMk/>
-            <pc:sldMk cId="3477453048" sldId="282"/>
-            <ac:spMk id="2" creationId="{27A6F7BB-30A8-4980-AD4A-2FB0B53FA6C9}"/>
-          </ac:spMkLst>
-        </pc:spChg>
-        <pc:spChg chg="add del mod">
-          <ac:chgData name="Kamil Warczek (kw316241)" userId="f3db8089-45d3-4ce7-81b6-9eb81915560c" providerId="ADAL" clId="{C3BDEFB5-E591-4296-8B5E-D036F4630AA8}" dt="2025-11-26T19:52:37.260" v="958" actId="478"/>
-          <ac:spMkLst>
-            <pc:docMk/>
-            <pc:sldMk cId="3477453048" sldId="282"/>
-            <ac:spMk id="4" creationId="{C5DDC033-A20D-DD9C-C09D-96A5CABE9392}"/>
-          </ac:spMkLst>
-        </pc:spChg>
-        <pc:spChg chg="add mod">
-          <ac:chgData name="Kamil Warczek (kw316241)" userId="f3db8089-45d3-4ce7-81b6-9eb81915560c" providerId="ADAL" clId="{C3BDEFB5-E591-4296-8B5E-D036F4630AA8}" dt="2025-11-26T19:53:58.226" v="1086" actId="1076"/>
-          <ac:spMkLst>
-            <pc:docMk/>
-            <pc:sldMk cId="3477453048" sldId="282"/>
-            <ac:spMk id="6" creationId="{D4CEB907-D423-0611-A132-A9CBC03DB84E}"/>
-          </ac:spMkLst>
-        </pc:spChg>
-        <pc:spChg chg="add mod">
-          <ac:chgData name="Kamil Warczek (kw316241)" userId="f3db8089-45d3-4ce7-81b6-9eb81915560c" providerId="ADAL" clId="{C3BDEFB5-E591-4296-8B5E-D036F4630AA8}" dt="2025-11-26T19:54:02.782" v="1089" actId="14100"/>
-          <ac:spMkLst>
-            <pc:docMk/>
-            <pc:sldMk cId="3477453048" sldId="282"/>
-            <ac:spMk id="7" creationId="{D040FDD6-1943-D22B-1FA6-0888FDA9B419}"/>
-          </ac:spMkLst>
-        </pc:spChg>
-        <pc:spChg chg="mod">
-          <ac:chgData name="Kamil Warczek (kw316241)" userId="f3db8089-45d3-4ce7-81b6-9eb81915560c" providerId="ADAL" clId="{C3BDEFB5-E591-4296-8B5E-D036F4630AA8}" dt="2025-11-26T19:48:03.186" v="535" actId="20577"/>
-          <ac:spMkLst>
-            <pc:docMk/>
-            <pc:sldMk cId="3477453048" sldId="282"/>
-            <ac:spMk id="61" creationId="{C5E86CA3-CC65-4085-BCDC-93141EBD238F}"/>
-          </ac:spMkLst>
-        </pc:spChg>
-        <pc:picChg chg="del">
-          <ac:chgData name="Kamil Warczek (kw316241)" userId="f3db8089-45d3-4ce7-81b6-9eb81915560c" providerId="ADAL" clId="{C3BDEFB5-E591-4296-8B5E-D036F4630AA8}" dt="2025-11-26T19:52:34.664" v="957" actId="478"/>
+        <pc:picChg chg="del mod">
+          <ac:chgData name="Kamil Warczek (kw316241)" userId="f3db8089-45d3-4ce7-81b6-9eb81915560c" providerId="ADAL" clId="{C3BDEFB5-E591-4296-8B5E-D036F4630AA8}" dt="2025-11-28T14:12:49.922" v="1250" actId="21"/>
           <ac:picMkLst>
             <pc:docMk/>
             <pc:sldMk cId="3477453048" sldId="282"/>
-            <ac:picMk id="5" creationId="{5B5B88B1-E269-66F9-A37A-3C95E953C570}"/>
+            <ac:picMk id="3" creationId="{6F78F70B-D145-8584-CBF2-97A149202904}"/>
           </ac:picMkLst>
         </pc:picChg>
       </pc:sldChg>
@@ -282,32 +195,9 @@
             <ac:spMk id="93" creationId="{3AC5835A-784B-4C88-A45F-7E8D3F44A04A}"/>
           </ac:spMkLst>
         </pc:spChg>
-        <pc:picChg chg="del">
-          <ac:chgData name="Kamil Warczek (kw316241)" userId="f3db8089-45d3-4ce7-81b6-9eb81915560c" providerId="ADAL" clId="{C3BDEFB5-E591-4296-8B5E-D036F4630AA8}" dt="2025-11-26T19:49:01.736" v="562" actId="478"/>
-          <ac:picMkLst>
-            <pc:docMk/>
-            <pc:sldMk cId="3396266754" sldId="283"/>
-            <ac:picMk id="36" creationId="{34D8304B-20D2-A903-374F-E8792D0AEAE8}"/>
-          </ac:picMkLst>
-        </pc:picChg>
-      </pc:sldChg>
-      <pc:sldChg chg="modSp mod">
-        <pc:chgData name="Kamil Warczek (kw316241)" userId="f3db8089-45d3-4ce7-81b6-9eb81915560c" providerId="ADAL" clId="{C3BDEFB5-E591-4296-8B5E-D036F4630AA8}" dt="2025-11-26T19:47:44.592" v="521" actId="20577"/>
-        <pc:sldMkLst>
-          <pc:docMk/>
-          <pc:sldMk cId="4176750317" sldId="284"/>
-        </pc:sldMkLst>
-        <pc:spChg chg="mod">
-          <ac:chgData name="Kamil Warczek (kw316241)" userId="f3db8089-45d3-4ce7-81b6-9eb81915560c" providerId="ADAL" clId="{C3BDEFB5-E591-4296-8B5E-D036F4630AA8}" dt="2025-11-26T19:47:44.592" v="521" actId="20577"/>
-          <ac:spMkLst>
-            <pc:docMk/>
-            <pc:sldMk cId="4176750317" sldId="284"/>
-            <ac:spMk id="12" creationId="{F068B7E0-3F26-4101-8308-9627365CCBAA}"/>
-          </ac:spMkLst>
-        </pc:spChg>
       </pc:sldChg>
       <pc:sldChg chg="addSp modSp mod">
-        <pc:chgData name="Kamil Warczek (kw316241)" userId="f3db8089-45d3-4ce7-81b6-9eb81915560c" providerId="ADAL" clId="{C3BDEFB5-E591-4296-8B5E-D036F4630AA8}" dt="2025-11-26T19:52:12.568" v="939" actId="1076"/>
+        <pc:chgData name="Kamil Warczek (kw316241)" userId="f3db8089-45d3-4ce7-81b6-9eb81915560c" providerId="ADAL" clId="{C3BDEFB5-E591-4296-8B5E-D036F4630AA8}" dt="2025-11-28T14:12:55.526" v="1253" actId="1076"/>
         <pc:sldMkLst>
           <pc:docMk/>
           <pc:sldMk cId="3980871660" sldId="287"/>
@@ -321,19 +211,11 @@
           </ac:spMkLst>
         </pc:spChg>
         <pc:spChg chg="mod">
-          <ac:chgData name="Kamil Warczek (kw316241)" userId="f3db8089-45d3-4ce7-81b6-9eb81915560c" providerId="ADAL" clId="{C3BDEFB5-E591-4296-8B5E-D036F4630AA8}" dt="2025-11-26T19:52:07.824" v="938" actId="1076"/>
+          <ac:chgData name="Kamil Warczek (kw316241)" userId="f3db8089-45d3-4ce7-81b6-9eb81915560c" providerId="ADAL" clId="{C3BDEFB5-E591-4296-8B5E-D036F4630AA8}" dt="2025-11-28T14:12:46.621" v="1248" actId="14100"/>
           <ac:spMkLst>
             <pc:docMk/>
             <pc:sldMk cId="3980871660" sldId="287"/>
             <ac:spMk id="3" creationId="{35E3EA69-4E0E-41BD-8095-A124225A2647}"/>
-          </ac:spMkLst>
-        </pc:spChg>
-        <pc:spChg chg="add mod">
-          <ac:chgData name="Kamil Warczek (kw316241)" userId="f3db8089-45d3-4ce7-81b6-9eb81915560c" providerId="ADAL" clId="{C3BDEFB5-E591-4296-8B5E-D036F4630AA8}" dt="2025-11-26T19:47:52.096" v="523"/>
-          <ac:spMkLst>
-            <pc:docMk/>
-            <pc:sldMk cId="3980871660" sldId="287"/>
-            <ac:spMk id="4" creationId="{A531E7A8-B6E2-B66D-E75D-667FC52DED35}"/>
           </ac:spMkLst>
         </pc:spChg>
         <pc:spChg chg="mod">
@@ -344,6 +226,14 @@
             <ac:spMk id="11" creationId="{5837F6CC-F87E-4BF6-9EFE-DA537BAB6BE0}"/>
           </ac:spMkLst>
         </pc:spChg>
+        <pc:picChg chg="add mod">
+          <ac:chgData name="Kamil Warczek (kw316241)" userId="f3db8089-45d3-4ce7-81b6-9eb81915560c" providerId="ADAL" clId="{C3BDEFB5-E591-4296-8B5E-D036F4630AA8}" dt="2025-11-28T14:12:55.526" v="1253" actId="1076"/>
+          <ac:picMkLst>
+            <pc:docMk/>
+            <pc:sldMk cId="3980871660" sldId="287"/>
+            <ac:picMk id="4" creationId="{6F78F70B-D145-8584-CBF2-97A149202904}"/>
+          </ac:picMkLst>
+        </pc:picChg>
       </pc:sldChg>
       <pc:sldChg chg="delSp mod">
         <pc:chgData name="Kamil Warczek (kw316241)" userId="f3db8089-45d3-4ce7-81b6-9eb81915560c" providerId="ADAL" clId="{C3BDEFB5-E591-4296-8B5E-D036F4630AA8}" dt="2025-11-26T19:48:25.442" v="554" actId="478"/>
@@ -351,38 +241,15 @@
           <pc:docMk/>
           <pc:sldMk cId="3242998563" sldId="289"/>
         </pc:sldMkLst>
-        <pc:spChg chg="del">
-          <ac:chgData name="Kamil Warczek (kw316241)" userId="f3db8089-45d3-4ce7-81b6-9eb81915560c" providerId="ADAL" clId="{C3BDEFB5-E591-4296-8B5E-D036F4630AA8}" dt="2025-11-26T19:48:25.442" v="554" actId="478"/>
-          <ac:spMkLst>
-            <pc:docMk/>
-            <pc:sldMk cId="3242998563" sldId="289"/>
-            <ac:spMk id="10" creationId="{EE046113-1034-4F4B-8AED-98885E8F62B9}"/>
-          </ac:spMkLst>
-        </pc:spChg>
-      </pc:sldChg>
-      <pc:sldChg chg="modSp del mod">
-        <pc:chgData name="Kamil Warczek (kw316241)" userId="f3db8089-45d3-4ce7-81b6-9eb81915560c" providerId="ADAL" clId="{C3BDEFB5-E591-4296-8B5E-D036F4630AA8}" dt="2025-11-26T19:54:54.622" v="1125" actId="47"/>
-        <pc:sldMkLst>
-          <pc:docMk/>
-          <pc:sldMk cId="3876861477" sldId="290"/>
-        </pc:sldMkLst>
-        <pc:spChg chg="mod">
-          <ac:chgData name="Kamil Warczek (kw316241)" userId="f3db8089-45d3-4ce7-81b6-9eb81915560c" providerId="ADAL" clId="{C3BDEFB5-E591-4296-8B5E-D036F4630AA8}" dt="2025-11-26T19:48:21.229" v="553" actId="20577"/>
-          <ac:spMkLst>
-            <pc:docMk/>
-            <pc:sldMk cId="3876861477" sldId="290"/>
-            <ac:spMk id="113" creationId="{656DD055-D122-8BA9-006B-52EAB377E8BE}"/>
-          </ac:spMkLst>
-        </pc:spChg>
       </pc:sldChg>
       <pc:sldChg chg="addSp modSp add mod ord">
-        <pc:chgData name="Kamil Warczek (kw316241)" userId="f3db8089-45d3-4ce7-81b6-9eb81915560c" providerId="ADAL" clId="{C3BDEFB5-E591-4296-8B5E-D036F4630AA8}" dt="2025-11-26T19:53:53.194" v="1084" actId="20577"/>
+        <pc:chgData name="Kamil Warczek (kw316241)" userId="f3db8089-45d3-4ce7-81b6-9eb81915560c" providerId="ADAL" clId="{C3BDEFB5-E591-4296-8B5E-D036F4630AA8}" dt="2025-11-28T14:12:25.026" v="1244" actId="1076"/>
         <pc:sldMkLst>
           <pc:docMk/>
           <pc:sldMk cId="1268005270" sldId="291"/>
         </pc:sldMkLst>
         <pc:spChg chg="mod">
-          <ac:chgData name="Kamil Warczek (kw316241)" userId="f3db8089-45d3-4ce7-81b6-9eb81915560c" providerId="ADAL" clId="{C3BDEFB5-E591-4296-8B5E-D036F4630AA8}" dt="2025-11-26T19:53:40.274" v="1078" actId="1076"/>
+          <ac:chgData name="Kamil Warczek (kw316241)" userId="f3db8089-45d3-4ce7-81b6-9eb81915560c" providerId="ADAL" clId="{C3BDEFB5-E591-4296-8B5E-D036F4630AA8}" dt="2025-11-28T14:12:15.690" v="1242" actId="1076"/>
           <ac:spMkLst>
             <pc:docMk/>
             <pc:sldMk cId="1268005270" sldId="291"/>
@@ -390,7 +257,7 @@
           </ac:spMkLst>
         </pc:spChg>
         <pc:spChg chg="mod">
-          <ac:chgData name="Kamil Warczek (kw316241)" userId="f3db8089-45d3-4ce7-81b6-9eb81915560c" providerId="ADAL" clId="{C3BDEFB5-E591-4296-8B5E-D036F4630AA8}" dt="2025-11-26T19:53:44.082" v="1080" actId="14100"/>
+          <ac:chgData name="Kamil Warczek (kw316241)" userId="f3db8089-45d3-4ce7-81b6-9eb81915560c" providerId="ADAL" clId="{C3BDEFB5-E591-4296-8B5E-D036F4630AA8}" dt="2025-11-28T14:12:21.277" v="1243" actId="1076"/>
           <ac:spMkLst>
             <pc:docMk/>
             <pc:sldMk cId="1268005270" sldId="291"/>
@@ -398,7 +265,7 @@
           </ac:spMkLst>
         </pc:spChg>
         <pc:spChg chg="add mod">
-          <ac:chgData name="Kamil Warczek (kw316241)" userId="f3db8089-45d3-4ce7-81b6-9eb81915560c" providerId="ADAL" clId="{C3BDEFB5-E591-4296-8B5E-D036F4630AA8}" dt="2025-11-26T19:53:53.194" v="1084" actId="20577"/>
+          <ac:chgData name="Kamil Warczek (kw316241)" userId="f3db8089-45d3-4ce7-81b6-9eb81915560c" providerId="ADAL" clId="{C3BDEFB5-E591-4296-8B5E-D036F4630AA8}" dt="2025-11-28T14:12:25.026" v="1244" actId="1076"/>
           <ac:spMkLst>
             <pc:docMk/>
             <pc:sldMk cId="1268005270" sldId="291"/>
@@ -406,8 +273,8 @@
           </ac:spMkLst>
         </pc:spChg>
       </pc:sldChg>
-      <pc:sldChg chg="modSp add mod ord">
-        <pc:chgData name="Kamil Warczek (kw316241)" userId="f3db8089-45d3-4ce7-81b6-9eb81915560c" providerId="ADAL" clId="{C3BDEFB5-E591-4296-8B5E-D036F4630AA8}" dt="2025-11-26T19:55:51.659" v="1208" actId="14100"/>
+      <pc:sldChg chg="addSp delSp modSp add mod ord">
+        <pc:chgData name="Kamil Warczek (kw316241)" userId="f3db8089-45d3-4ce7-81b6-9eb81915560c" providerId="ADAL" clId="{C3BDEFB5-E591-4296-8B5E-D036F4630AA8}" dt="2025-11-28T14:15:54.662" v="1278" actId="962"/>
         <pc:sldMkLst>
           <pc:docMk/>
           <pc:sldMk cId="2290892035" sldId="292"/>
@@ -428,17 +295,25 @@
             <ac:spMk id="3" creationId="{55A6B693-D572-1C47-4700-47FBBA9F765C}"/>
           </ac:spMkLst>
         </pc:spChg>
-        <pc:spChg chg="mod">
-          <ac:chgData name="Kamil Warczek (kw316241)" userId="f3db8089-45d3-4ce7-81b6-9eb81915560c" providerId="ADAL" clId="{C3BDEFB5-E591-4296-8B5E-D036F4630AA8}" dt="2025-11-26T19:55:51.659" v="1208" actId="14100"/>
+        <pc:spChg chg="del mod">
+          <ac:chgData name="Kamil Warczek (kw316241)" userId="f3db8089-45d3-4ce7-81b6-9eb81915560c" providerId="ADAL" clId="{C3BDEFB5-E591-4296-8B5E-D036F4630AA8}" dt="2025-11-28T14:15:14.723" v="1274" actId="478"/>
           <ac:spMkLst>
             <pc:docMk/>
             <pc:sldMk cId="2290892035" sldId="292"/>
             <ac:spMk id="4" creationId="{25597147-45A2-C9B3-40EE-39E7C96B02BF}"/>
           </ac:spMkLst>
         </pc:spChg>
+        <pc:picChg chg="add mod">
+          <ac:chgData name="Kamil Warczek (kw316241)" userId="f3db8089-45d3-4ce7-81b6-9eb81915560c" providerId="ADAL" clId="{C3BDEFB5-E591-4296-8B5E-D036F4630AA8}" dt="2025-11-28T14:15:54.662" v="1278" actId="962"/>
+          <ac:picMkLst>
+            <pc:docMk/>
+            <pc:sldMk cId="2290892035" sldId="292"/>
+            <ac:picMk id="6" creationId="{A67E463A-A200-ADA8-A6AC-008A00C79FA5}"/>
+          </ac:picMkLst>
+        </pc:picChg>
       </pc:sldChg>
-      <pc:sldChg chg="modSp add mod">
-        <pc:chgData name="Kamil Warczek (kw316241)" userId="f3db8089-45d3-4ce7-81b6-9eb81915560c" providerId="ADAL" clId="{C3BDEFB5-E591-4296-8B5E-D036F4630AA8}" dt="2025-11-26T19:56:01.630" v="1226" actId="20577"/>
+      <pc:sldChg chg="addSp delSp modSp add mod">
+        <pc:chgData name="Kamil Warczek (kw316241)" userId="f3db8089-45d3-4ce7-81b6-9eb81915560c" providerId="ADAL" clId="{C3BDEFB5-E591-4296-8B5E-D036F4630AA8}" dt="2025-11-28T14:16:31.504" v="1285" actId="1076"/>
         <pc:sldMkLst>
           <pc:docMk/>
           <pc:sldMk cId="779089081" sldId="293"/>
@@ -451,6 +326,60 @@
             <ac:spMk id="3" creationId="{451191BD-A9FB-8D22-6F52-A322D3509D71}"/>
           </ac:spMkLst>
         </pc:spChg>
+        <pc:spChg chg="del mod">
+          <ac:chgData name="Kamil Warczek (kw316241)" userId="f3db8089-45d3-4ce7-81b6-9eb81915560c" providerId="ADAL" clId="{C3BDEFB5-E591-4296-8B5E-D036F4630AA8}" dt="2025-11-28T14:15:00.255" v="1258" actId="478"/>
+          <ac:spMkLst>
+            <pc:docMk/>
+            <pc:sldMk cId="779089081" sldId="293"/>
+            <ac:spMk id="4" creationId="{E8B82B98-9D4D-C43A-47E9-21B04B21596B}"/>
+          </ac:spMkLst>
+        </pc:spChg>
+        <pc:picChg chg="add mod modCrop">
+          <ac:chgData name="Kamil Warczek (kw316241)" userId="f3db8089-45d3-4ce7-81b6-9eb81915560c" providerId="ADAL" clId="{C3BDEFB5-E591-4296-8B5E-D036F4630AA8}" dt="2025-11-28T14:16:28.469" v="1284" actId="1076"/>
+          <ac:picMkLst>
+            <pc:docMk/>
+            <pc:sldMk cId="779089081" sldId="293"/>
+            <ac:picMk id="6" creationId="{763D76F1-2CAD-0E41-5F03-17D4571B24E3}"/>
+          </ac:picMkLst>
+        </pc:picChg>
+        <pc:picChg chg="add mod">
+          <ac:chgData name="Kamil Warczek (kw316241)" userId="f3db8089-45d3-4ce7-81b6-9eb81915560c" providerId="ADAL" clId="{C3BDEFB5-E591-4296-8B5E-D036F4630AA8}" dt="2025-11-28T14:16:31.504" v="1285" actId="1076"/>
+          <ac:picMkLst>
+            <pc:docMk/>
+            <pc:sldMk cId="779089081" sldId="293"/>
+            <ac:picMk id="8" creationId="{93DC4094-21E2-D4CB-6249-B0983060ADF5}"/>
+          </ac:picMkLst>
+        </pc:picChg>
+      </pc:sldChg>
+      <pc:sldChg chg="addSp modSp mod ord">
+        <pc:chgData name="Kamil Warczek (kw316241)" userId="f3db8089-45d3-4ce7-81b6-9eb81915560c" providerId="ADAL" clId="{C3BDEFB5-E591-4296-8B5E-D036F4630AA8}" dt="2025-11-28T14:12:01.367" v="1240" actId="1076"/>
+        <pc:sldMkLst>
+          <pc:docMk/>
+          <pc:sldMk cId="2383436169" sldId="294"/>
+        </pc:sldMkLst>
+        <pc:picChg chg="add mod modCrop">
+          <ac:chgData name="Kamil Warczek (kw316241)" userId="f3db8089-45d3-4ce7-81b6-9eb81915560c" providerId="ADAL" clId="{C3BDEFB5-E591-4296-8B5E-D036F4630AA8}" dt="2025-11-28T14:12:01.367" v="1240" actId="1076"/>
+          <ac:picMkLst>
+            <pc:docMk/>
+            <pc:sldMk cId="2383436169" sldId="294"/>
+            <ac:picMk id="4" creationId="{4448B1F1-2F95-3E53-BC5C-77C10AFC7933}"/>
+          </ac:picMkLst>
+        </pc:picChg>
+      </pc:sldChg>
+      <pc:sldChg chg="modSp add mod">
+        <pc:chgData name="Kamil Warczek (kw316241)" userId="f3db8089-45d3-4ce7-81b6-9eb81915560c" providerId="ADAL" clId="{C3BDEFB5-E591-4296-8B5E-D036F4630AA8}" dt="2025-11-28T14:11:38.417" v="1234" actId="1076"/>
+        <pc:sldMkLst>
+          <pc:docMk/>
+          <pc:sldMk cId="1899399915" sldId="295"/>
+        </pc:sldMkLst>
+        <pc:picChg chg="mod modCrop">
+          <ac:chgData name="Kamil Warczek (kw316241)" userId="f3db8089-45d3-4ce7-81b6-9eb81915560c" providerId="ADAL" clId="{C3BDEFB5-E591-4296-8B5E-D036F4630AA8}" dt="2025-11-28T14:11:38.417" v="1234" actId="1076"/>
+          <ac:picMkLst>
+            <pc:docMk/>
+            <pc:sldMk cId="1899399915" sldId="295"/>
+            <ac:picMk id="4" creationId="{00342DCA-52DB-CBFB-B27F-3CB8F22E156E}"/>
+          </ac:picMkLst>
+        </pc:picChg>
       </pc:sldChg>
     </pc:docChg>
   </pc:docChgLst>
@@ -1267,91 +1196,6 @@
   <p:cSld>
     <p:spTree>
       <p:nvGrpSpPr>
-        <p:cNvPr id="1" name=""/>
-        <p:cNvGrpSpPr/>
-        <p:nvPr/>
-      </p:nvGrpSpPr>
-      <p:grpSpPr>
-        <a:xfrm>
-          <a:off x="0" y="0"/>
-          <a:ext cx="0" cy="0"/>
-          <a:chOff x="0" y="0"/>
-          <a:chExt cx="0" cy="0"/>
-        </a:xfrm>
-      </p:grpSpPr>
-      <p:sp>
-        <p:nvSpPr>
-          <p:cNvPr id="2" name="Symbol zastępczy obrazu slajdu 1"/>
-          <p:cNvSpPr>
-            <a:spLocks noGrp="1" noRot="1" noChangeAspect="1"/>
-          </p:cNvSpPr>
-          <p:nvPr>
-            <p:ph type="sldImg"/>
-          </p:nvPr>
-        </p:nvSpPr>
-        <p:spPr/>
-      </p:sp>
-      <p:sp>
-        <p:nvSpPr>
-          <p:cNvPr id="3" name="Symbol zastępczy notatek 2"/>
-          <p:cNvSpPr>
-            <a:spLocks noGrp="1"/>
-          </p:cNvSpPr>
-          <p:nvPr>
-            <p:ph type="body" idx="1"/>
-          </p:nvPr>
-        </p:nvSpPr>
-        <p:spPr/>
-        <p:txBody>
-          <a:bodyPr/>
-          <a:lstStyle/>
-          <a:p>
-            <a:endParaRPr lang="pl-PL"/>
-          </a:p>
-        </p:txBody>
-      </p:sp>
-      <p:sp>
-        <p:nvSpPr>
-          <p:cNvPr id="4" name="Symbol zastępczy numeru slajdu 3"/>
-          <p:cNvSpPr>
-            <a:spLocks noGrp="1"/>
-          </p:cNvSpPr>
-          <p:nvPr>
-            <p:ph type="sldNum" sz="quarter" idx="5"/>
-          </p:nvPr>
-        </p:nvSpPr>
-        <p:spPr/>
-        <p:txBody>
-          <a:bodyPr/>
-          <a:lstStyle/>
-          <a:p>
-            <a:pPr rtl="0"/>
-            <a:fld id="{35BAF473-2665-42A7-89E3-C7BA7EB58D12}" type="slidenum">
-              <a:rPr lang="pl-PL" smtClean="0"/>
-              <a:t>4</a:t>
-            </a:fld>
-            <a:endParaRPr lang="pl-PL"/>
-          </a:p>
-        </p:txBody>
-      </p:sp>
-    </p:spTree>
-    <p:extLst>
-      <p:ext uri="{BB962C8B-B14F-4D97-AF65-F5344CB8AC3E}">
-        <p14:creationId xmlns:p14="http://schemas.microsoft.com/office/powerpoint/2010/main" val="1926810146"/>
-      </p:ext>
-    </p:extLst>
-  </p:cSld>
-  <p:clrMapOvr>
-    <a:masterClrMapping/>
-  </p:clrMapOvr>
-</p:notes>
-</file>
-
-<file path=ppt/notesSlides/notesSlide5.xml><?xml version="1.0" encoding="utf-8"?>
-<p:notes xmlns:a="http://schemas.openxmlformats.org/drawingml/2006/main" xmlns:r="http://schemas.openxmlformats.org/officeDocument/2006/relationships" xmlns:p="http://schemas.openxmlformats.org/presentationml/2006/main">
-  <p:cSld>
-    <p:spTree>
-      <p:nvGrpSpPr>
         <p:cNvPr id="1" name="">
           <a:extLst>
             <a:ext uri="{FF2B5EF4-FFF2-40B4-BE49-F238E27FC236}">
@@ -1437,7 +1281,7 @@
             <a:pPr rtl="0"/>
             <a:fld id="{35BAF473-2665-42A7-89E3-C7BA7EB58D12}" type="slidenum">
               <a:rPr lang="pl-PL" smtClean="0"/>
-              <a:t>5</a:t>
+              <a:t>4</a:t>
             </a:fld>
             <a:endParaRPr lang="pl-PL"/>
           </a:p>
@@ -1447,6 +1291,115 @@
     <p:extLst>
       <p:ext uri="{BB962C8B-B14F-4D97-AF65-F5344CB8AC3E}">
         <p14:creationId xmlns:p14="http://schemas.microsoft.com/office/powerpoint/2010/main" val="1865031673"/>
+      </p:ext>
+    </p:extLst>
+  </p:cSld>
+  <p:clrMapOvr>
+    <a:masterClrMapping/>
+  </p:clrMapOvr>
+</p:notes>
+</file>
+
+<file path=ppt/notesSlides/notesSlide5.xml><?xml version="1.0" encoding="utf-8"?>
+<p:notes xmlns:a="http://schemas.openxmlformats.org/drawingml/2006/main" xmlns:r="http://schemas.openxmlformats.org/officeDocument/2006/relationships" xmlns:p="http://schemas.openxmlformats.org/presentationml/2006/main">
+  <p:cSld>
+    <p:spTree>
+      <p:nvGrpSpPr>
+        <p:cNvPr id="1" name="">
+          <a:extLst>
+            <a:ext uri="{FF2B5EF4-FFF2-40B4-BE49-F238E27FC236}">
+              <a16:creationId xmlns:a16="http://schemas.microsoft.com/office/drawing/2014/main" id="{69CDA0B1-E931-C959-2666-02D8E90583A7}"/>
+            </a:ext>
+          </a:extLst>
+        </p:cNvPr>
+        <p:cNvGrpSpPr/>
+        <p:nvPr/>
+      </p:nvGrpSpPr>
+      <p:grpSpPr>
+        <a:xfrm>
+          <a:off x="0" y="0"/>
+          <a:ext cx="0" cy="0"/>
+          <a:chOff x="0" y="0"/>
+          <a:chExt cx="0" cy="0"/>
+        </a:xfrm>
+      </p:grpSpPr>
+      <p:sp>
+        <p:nvSpPr>
+          <p:cNvPr id="2" name="Symbol zastępczy obrazu slajdu 1">
+            <a:extLst>
+              <a:ext uri="{FF2B5EF4-FFF2-40B4-BE49-F238E27FC236}">
+                <a16:creationId xmlns:a16="http://schemas.microsoft.com/office/drawing/2014/main" id="{32A3F6FC-C103-6F49-546A-A4CB78B16DE5}"/>
+              </a:ext>
+            </a:extLst>
+          </p:cNvPr>
+          <p:cNvSpPr>
+            <a:spLocks noGrp="1" noRot="1" noChangeAspect="1"/>
+          </p:cNvSpPr>
+          <p:nvPr>
+            <p:ph type="sldImg"/>
+          </p:nvPr>
+        </p:nvSpPr>
+        <p:spPr/>
+      </p:sp>
+      <p:sp>
+        <p:nvSpPr>
+          <p:cNvPr id="3" name="Symbol zastępczy notatek 2">
+            <a:extLst>
+              <a:ext uri="{FF2B5EF4-FFF2-40B4-BE49-F238E27FC236}">
+                <a16:creationId xmlns:a16="http://schemas.microsoft.com/office/drawing/2014/main" id="{2CAE6BF3-3782-75DD-DA18-D0FFDCF9E81C}"/>
+              </a:ext>
+            </a:extLst>
+          </p:cNvPr>
+          <p:cNvSpPr>
+            <a:spLocks noGrp="1"/>
+          </p:cNvSpPr>
+          <p:nvPr>
+            <p:ph type="body" idx="1"/>
+          </p:nvPr>
+        </p:nvSpPr>
+        <p:spPr/>
+        <p:txBody>
+          <a:bodyPr/>
+          <a:lstStyle/>
+          <a:p>
+            <a:endParaRPr lang="pl-PL"/>
+          </a:p>
+        </p:txBody>
+      </p:sp>
+      <p:sp>
+        <p:nvSpPr>
+          <p:cNvPr id="4" name="Symbol zastępczy numeru slajdu 3">
+            <a:extLst>
+              <a:ext uri="{FF2B5EF4-FFF2-40B4-BE49-F238E27FC236}">
+                <a16:creationId xmlns:a16="http://schemas.microsoft.com/office/drawing/2014/main" id="{D47835A5-F448-EE93-13C0-48768D321722}"/>
+              </a:ext>
+            </a:extLst>
+          </p:cNvPr>
+          <p:cNvSpPr>
+            <a:spLocks noGrp="1"/>
+          </p:cNvSpPr>
+          <p:nvPr>
+            <p:ph type="sldNum" sz="quarter" idx="5"/>
+          </p:nvPr>
+        </p:nvSpPr>
+        <p:spPr/>
+        <p:txBody>
+          <a:bodyPr/>
+          <a:lstStyle/>
+          <a:p>
+            <a:pPr rtl="0"/>
+            <a:fld id="{35BAF473-2665-42A7-89E3-C7BA7EB58D12}" type="slidenum">
+              <a:rPr lang="pl-PL" smtClean="0"/>
+              <a:t>5</a:t>
+            </a:fld>
+            <a:endParaRPr lang="pl-PL"/>
+          </a:p>
+        </p:txBody>
+      </p:sp>
+    </p:spTree>
+    <p:extLst>
+      <p:ext uri="{BB962C8B-B14F-4D97-AF65-F5344CB8AC3E}">
+        <p14:creationId xmlns:p14="http://schemas.microsoft.com/office/powerpoint/2010/main" val="1577345397"/>
       </p:ext>
     </p:extLst>
   </p:cSld>
@@ -10505,7 +10458,7 @@
         <p:spPr>
           <a:xfrm>
             <a:off x="5669280" y="3429000"/>
-            <a:ext cx="5013960" cy="1645571"/>
+            <a:ext cx="5013960" cy="1103671"/>
           </a:xfrm>
         </p:spPr>
         <p:txBody>
@@ -10518,17 +10471,6 @@
             <a:r>
               <a:rPr lang="pl-PL" dirty="0"/>
               <a:t>Implementacja ustawiania okresu generatora sprawiła najwięcej problemów. Problemem było zezwolenie tylko na n’te krotności pewnej wartości.</a:t>
-            </a:r>
-          </a:p>
-          <a:p>
-            <a:pPr rtl="0"/>
-            <a:endParaRPr lang="pl-PL" dirty="0"/>
-          </a:p>
-          <a:p>
-            <a:pPr rtl="0"/>
-            <a:r>
-              <a:rPr lang="pl-PL" dirty="0"/>
-              <a:t>Rozwiązanie umieściliśmy na następnycm slajdzie.</a:t>
             </a:r>
           </a:p>
         </p:txBody>
@@ -10620,6 +10562,36 @@
           </a:p>
         </p:txBody>
       </p:sp>
+      <p:pic>
+        <p:nvPicPr>
+          <p:cNvPr id="4" name="Obraz 2" descr="Obraz zawierający tekst, zrzut ekranu, Czcionka&#10;&#10;Zawartość wygenerowana przez AI może być niepoprawna.">
+            <a:extLst>
+              <a:ext uri="{FF2B5EF4-FFF2-40B4-BE49-F238E27FC236}">
+                <a16:creationId xmlns:a16="http://schemas.microsoft.com/office/drawing/2014/main" id="{6F78F70B-D145-8584-CBF2-97A149202904}"/>
+              </a:ext>
+            </a:extLst>
+          </p:cNvPr>
+          <p:cNvPicPr>
+            <a:picLocks noChangeAspect="1"/>
+          </p:cNvPicPr>
+          <p:nvPr/>
+        </p:nvPicPr>
+        <p:blipFill>
+          <a:blip r:embed="rId3"/>
+          <a:stretch>
+            <a:fillRect/>
+          </a:stretch>
+        </p:blipFill>
+        <p:spPr>
+          <a:xfrm>
+            <a:off x="325205" y="4284696"/>
+            <a:ext cx="11541590" cy="1904036"/>
+          </a:xfrm>
+          <a:prstGeom prst="rect">
+            <a:avLst/>
+          </a:prstGeom>
+        </p:spPr>
+      </p:pic>
     </p:spTree>
     <p:extLst>
       <p:ext uri="{BB962C8B-B14F-4D97-AF65-F5344CB8AC3E}">
@@ -10634,153 +10606,6 @@
 </file>
 
 <file path=ppt/slides/slide4.xml><?xml version="1.0" encoding="utf-8"?>
-<p:sld xmlns:a="http://schemas.openxmlformats.org/drawingml/2006/main" xmlns:r="http://schemas.openxmlformats.org/officeDocument/2006/relationships" xmlns:p="http://schemas.openxmlformats.org/presentationml/2006/main">
-  <p:cSld>
-    <p:spTree>
-      <p:nvGrpSpPr>
-        <p:cNvPr id="1" name=""/>
-        <p:cNvGrpSpPr/>
-        <p:nvPr/>
-      </p:nvGrpSpPr>
-      <p:grpSpPr>
-        <a:xfrm>
-          <a:off x="0" y="0"/>
-          <a:ext cx="0" cy="0"/>
-          <a:chOff x="0" y="0"/>
-          <a:chExt cx="0" cy="0"/>
-        </a:xfrm>
-      </p:grpSpPr>
-      <p:sp>
-        <p:nvSpPr>
-          <p:cNvPr id="61" name="Data — symbol zastępczy 60">
-            <a:extLst>
-              <a:ext uri="{FF2B5EF4-FFF2-40B4-BE49-F238E27FC236}">
-                <a16:creationId xmlns:a16="http://schemas.microsoft.com/office/drawing/2014/main" id="{C5E86CA3-CC65-4085-BCDC-93141EBD238F}"/>
-              </a:ext>
-            </a:extLst>
-          </p:cNvPr>
-          <p:cNvSpPr>
-            <a:spLocks noGrp="1"/>
-          </p:cNvSpPr>
-          <p:nvPr>
-            <p:ph type="dt" sz="half" idx="10"/>
-          </p:nvPr>
-        </p:nvSpPr>
-        <p:spPr/>
-        <p:txBody>
-          <a:bodyPr rtlCol="0"/>
-          <a:lstStyle/>
-          <a:p>
-            <a:r>
-              <a:rPr lang="pl-PL" dirty="0"/>
-              <a:t>27.11.2025</a:t>
-            </a:r>
-          </a:p>
-        </p:txBody>
-      </p:sp>
-      <p:sp>
-        <p:nvSpPr>
-          <p:cNvPr id="62" name="Stopka — symbol zastępczy 61">
-            <a:extLst>
-              <a:ext uri="{FF2B5EF4-FFF2-40B4-BE49-F238E27FC236}">
-                <a16:creationId xmlns:a16="http://schemas.microsoft.com/office/drawing/2014/main" id="{C1BA4316-79F5-4E35-B754-FEEFC06C1C66}"/>
-              </a:ext>
-            </a:extLst>
-          </p:cNvPr>
-          <p:cNvSpPr>
-            <a:spLocks noGrp="1"/>
-          </p:cNvSpPr>
-          <p:nvPr>
-            <p:ph type="ftr" sz="quarter" idx="11"/>
-          </p:nvPr>
-        </p:nvSpPr>
-        <p:spPr/>
-        <p:txBody>
-          <a:bodyPr rtlCol="0"/>
-          <a:lstStyle/>
-          <a:p>
-            <a:r>
-              <a:rPr lang="pl-PL" dirty="0"/>
-              <a:t>Projekt aplikacji symulacji układu automatycznej regulacji</a:t>
-            </a:r>
-          </a:p>
-        </p:txBody>
-      </p:sp>
-      <p:sp>
-        <p:nvSpPr>
-          <p:cNvPr id="63" name="Numer slajdu — symbol zastępczy 62">
-            <a:extLst>
-              <a:ext uri="{FF2B5EF4-FFF2-40B4-BE49-F238E27FC236}">
-                <a16:creationId xmlns:a16="http://schemas.microsoft.com/office/drawing/2014/main" id="{22B5CBBF-FB43-46F2-8846-3DF85C26528C}"/>
-              </a:ext>
-            </a:extLst>
-          </p:cNvPr>
-          <p:cNvSpPr>
-            <a:spLocks noGrp="1"/>
-          </p:cNvSpPr>
-          <p:nvPr>
-            <p:ph type="sldNum" sz="quarter" idx="12"/>
-          </p:nvPr>
-        </p:nvSpPr>
-        <p:spPr/>
-        <p:txBody>
-          <a:bodyPr rtlCol="0"/>
-          <a:lstStyle/>
-          <a:p>
-            <a:pPr rtl="0"/>
-            <a:fld id="{B5CEABB6-07DC-46E8-9B57-56EC44A396E5}" type="slidenum">
-              <a:rPr lang="pl-PL" smtClean="0"/>
-              <a:pPr rtl="0"/>
-              <a:t>4</a:t>
-            </a:fld>
-            <a:endParaRPr lang="pl-PL"/>
-          </a:p>
-        </p:txBody>
-      </p:sp>
-      <p:pic>
-        <p:nvPicPr>
-          <p:cNvPr id="3" name="Obraz 2" descr="Obraz zawierający tekst, zrzut ekranu, Czcionka&#10;&#10;Zawartość wygenerowana przez AI może być niepoprawna.">
-            <a:extLst>
-              <a:ext uri="{FF2B5EF4-FFF2-40B4-BE49-F238E27FC236}">
-                <a16:creationId xmlns:a16="http://schemas.microsoft.com/office/drawing/2014/main" id="{6F78F70B-D145-8584-CBF2-97A149202904}"/>
-              </a:ext>
-            </a:extLst>
-          </p:cNvPr>
-          <p:cNvPicPr>
-            <a:picLocks noChangeAspect="1"/>
-          </p:cNvPicPr>
-          <p:nvPr/>
-        </p:nvPicPr>
-        <p:blipFill>
-          <a:blip r:embed="rId3"/>
-          <a:stretch>
-            <a:fillRect/>
-          </a:stretch>
-        </p:blipFill>
-        <p:spPr>
-          <a:xfrm>
-            <a:off x="325205" y="1524964"/>
-            <a:ext cx="11541590" cy="1904036"/>
-          </a:xfrm>
-          <a:prstGeom prst="rect">
-            <a:avLst/>
-          </a:prstGeom>
-        </p:spPr>
-      </p:pic>
-    </p:spTree>
-    <p:extLst>
-      <p:ext uri="{BB962C8B-B14F-4D97-AF65-F5344CB8AC3E}">
-        <p14:creationId xmlns:p14="http://schemas.microsoft.com/office/powerpoint/2010/main" val="3477453048"/>
-      </p:ext>
-    </p:extLst>
-  </p:cSld>
-  <p:clrMapOvr>
-    <a:masterClrMapping/>
-  </p:clrMapOvr>
-</p:sld>
-</file>
-
-<file path=ppt/slides/slide5.xml><?xml version="1.0" encoding="utf-8"?>
 <p:sld xmlns:a="http://schemas.openxmlformats.org/drawingml/2006/main" xmlns:r="http://schemas.openxmlformats.org/officeDocument/2006/relationships" xmlns:p="http://schemas.openxmlformats.org/presentationml/2006/main">
   <p:cSld>
     <p:spTree>
@@ -10821,7 +10646,7 @@
         </p:nvSpPr>
         <p:spPr>
           <a:xfrm>
-            <a:off x="838200" y="365125"/>
+            <a:off x="4407309" y="39941"/>
             <a:ext cx="10515600" cy="1325563"/>
           </a:xfrm>
         </p:spPr>
@@ -10834,7 +10659,14 @@
             <a:pPr rtl="0"/>
             <a:r>
               <a:rPr lang="pl-PL" dirty="0"/>
-              <a:t>Omówienie szczegółów implementacyjnych</a:t>
+              <a:t>Omówienie </a:t>
+            </a:r>
+            <a:br>
+              <a:rPr lang="pl-PL" dirty="0"/>
+            </a:br>
+            <a:r>
+              <a:rPr lang="pl-PL" dirty="0"/>
+              <a:t>szczegółów implementacyjnych</a:t>
             </a:r>
           </a:p>
         </p:txBody>
@@ -10857,7 +10689,7 @@
         </p:nvSpPr>
         <p:spPr>
           <a:xfrm>
-            <a:off x="4190036" y="2476983"/>
+            <a:off x="148978" y="3991151"/>
             <a:ext cx="2940693" cy="3276464"/>
           </a:xfrm>
         </p:spPr>
@@ -11007,7 +10839,7 @@
                   <a:spcPts val="600"/>
                 </a:spcAft>
               </a:pPr>
-              <a:t>5</a:t>
+              <a:t>4</a:t>
             </a:fld>
             <a:endParaRPr lang="pl-PL"/>
           </a:p>
@@ -11027,7 +10859,7 @@
         </p:nvSpPr>
         <p:spPr>
           <a:xfrm>
-            <a:off x="7130729" y="1365504"/>
+            <a:off x="5724716" y="1365504"/>
             <a:ext cx="4348039" cy="4990846"/>
           </a:xfrm>
           <a:prstGeom prst="rect">
@@ -11086,6 +10918,196 @@
     <p:extLst>
       <p:ext uri="{BB962C8B-B14F-4D97-AF65-F5344CB8AC3E}">
         <p14:creationId xmlns:p14="http://schemas.microsoft.com/office/powerpoint/2010/main" val="1268005270"/>
+      </p:ext>
+    </p:extLst>
+  </p:cSld>
+  <p:clrMapOvr>
+    <a:masterClrMapping/>
+  </p:clrMapOvr>
+</p:sld>
+</file>
+
+<file path=ppt/slides/slide5.xml><?xml version="1.0" encoding="utf-8"?>
+<p:sld xmlns:a="http://schemas.openxmlformats.org/drawingml/2006/main" xmlns:r="http://schemas.openxmlformats.org/officeDocument/2006/relationships" xmlns:p="http://schemas.openxmlformats.org/presentationml/2006/main">
+  <p:cSld>
+    <p:spTree>
+      <p:nvGrpSpPr>
+        <p:cNvPr id="1" name="">
+          <a:extLst>
+            <a:ext uri="{FF2B5EF4-FFF2-40B4-BE49-F238E27FC236}">
+              <a16:creationId xmlns:a16="http://schemas.microsoft.com/office/drawing/2014/main" id="{097F6073-E2F8-E0C3-D0F5-755185D4A69F}"/>
+            </a:ext>
+          </a:extLst>
+        </p:cNvPr>
+        <p:cNvGrpSpPr/>
+        <p:nvPr/>
+      </p:nvGrpSpPr>
+      <p:grpSpPr>
+        <a:xfrm>
+          <a:off x="0" y="0"/>
+          <a:ext cx="0" cy="0"/>
+          <a:chOff x="0" y="0"/>
+          <a:chExt cx="0" cy="0"/>
+        </a:xfrm>
+      </p:grpSpPr>
+      <p:sp>
+        <p:nvSpPr>
+          <p:cNvPr id="2" name="Tytuł 1">
+            <a:extLst>
+              <a:ext uri="{FF2B5EF4-FFF2-40B4-BE49-F238E27FC236}">
+                <a16:creationId xmlns:a16="http://schemas.microsoft.com/office/drawing/2014/main" id="{3F29F55A-505D-BD53-0FC4-572216344881}"/>
+              </a:ext>
+            </a:extLst>
+          </p:cNvPr>
+          <p:cNvSpPr>
+            <a:spLocks noGrp="1"/>
+          </p:cNvSpPr>
+          <p:nvPr>
+            <p:ph type="title"/>
+          </p:nvPr>
+        </p:nvSpPr>
+        <p:spPr>
+          <a:xfrm>
+            <a:off x="838200" y="186531"/>
+            <a:ext cx="10515600" cy="373063"/>
+          </a:xfrm>
+        </p:spPr>
+        <p:txBody>
+          <a:bodyPr rtlCol="0">
+            <a:normAutofit fontScale="90000"/>
+          </a:bodyPr>
+          <a:lstStyle/>
+          <a:p>
+            <a:pPr rtl="0"/>
+            <a:r>
+              <a:rPr lang="pl-PL" sz="2800" dirty="0"/>
+              <a:t>Interfejs klasy warstwy usług</a:t>
+            </a:r>
+          </a:p>
+        </p:txBody>
+      </p:sp>
+      <p:sp>
+        <p:nvSpPr>
+          <p:cNvPr id="113" name="Data — symbol zastępczy 112">
+            <a:extLst>
+              <a:ext uri="{FF2B5EF4-FFF2-40B4-BE49-F238E27FC236}">
+                <a16:creationId xmlns:a16="http://schemas.microsoft.com/office/drawing/2014/main" id="{15DAB2D3-817D-DC15-7E27-77D3A5B192AF}"/>
+              </a:ext>
+            </a:extLst>
+          </p:cNvPr>
+          <p:cNvSpPr>
+            <a:spLocks noGrp="1"/>
+          </p:cNvSpPr>
+          <p:nvPr>
+            <p:ph type="dt" sz="half" idx="10"/>
+          </p:nvPr>
+        </p:nvSpPr>
+        <p:spPr/>
+        <p:txBody>
+          <a:bodyPr rtlCol="0"/>
+          <a:lstStyle/>
+          <a:p>
+            <a:r>
+              <a:rPr lang="pl-PL" dirty="0"/>
+              <a:t>27.11.2025</a:t>
+            </a:r>
+          </a:p>
+        </p:txBody>
+      </p:sp>
+      <p:sp>
+        <p:nvSpPr>
+          <p:cNvPr id="114" name="Stopka — symbol zastępczy 113">
+            <a:extLst>
+              <a:ext uri="{FF2B5EF4-FFF2-40B4-BE49-F238E27FC236}">
+                <a16:creationId xmlns:a16="http://schemas.microsoft.com/office/drawing/2014/main" id="{EDCEBAFC-03FF-2872-7275-60B52C6BB76A}"/>
+              </a:ext>
+            </a:extLst>
+          </p:cNvPr>
+          <p:cNvSpPr>
+            <a:spLocks noGrp="1"/>
+          </p:cNvSpPr>
+          <p:nvPr>
+            <p:ph type="ftr" sz="quarter" idx="11"/>
+          </p:nvPr>
+        </p:nvSpPr>
+        <p:spPr/>
+        <p:txBody>
+          <a:bodyPr rtlCol="0"/>
+          <a:lstStyle/>
+          <a:p>
+            <a:r>
+              <a:rPr lang="pl-PL" dirty="0"/>
+              <a:t>Projekt aplikacji symulacji układu automatycznej regulacji</a:t>
+            </a:r>
+          </a:p>
+        </p:txBody>
+      </p:sp>
+      <p:sp>
+        <p:nvSpPr>
+          <p:cNvPr id="115" name="Numer slajdu — symbol zastępczy 114">
+            <a:extLst>
+              <a:ext uri="{FF2B5EF4-FFF2-40B4-BE49-F238E27FC236}">
+                <a16:creationId xmlns:a16="http://schemas.microsoft.com/office/drawing/2014/main" id="{66EAA86D-B7B9-7715-B6F3-CBF1FEDEA977}"/>
+              </a:ext>
+            </a:extLst>
+          </p:cNvPr>
+          <p:cNvSpPr>
+            <a:spLocks noGrp="1"/>
+          </p:cNvSpPr>
+          <p:nvPr>
+            <p:ph type="sldNum" sz="quarter" idx="12"/>
+          </p:nvPr>
+        </p:nvSpPr>
+        <p:spPr/>
+        <p:txBody>
+          <a:bodyPr rtlCol="0"/>
+          <a:lstStyle/>
+          <a:p>
+            <a:pPr rtl="0"/>
+            <a:fld id="{B5CEABB6-07DC-46E8-9B57-56EC44A396E5}" type="slidenum">
+              <a:rPr lang="pl-PL" smtClean="0"/>
+              <a:pPr rtl="0"/>
+              <a:t>5</a:t>
+            </a:fld>
+            <a:endParaRPr lang="pl-PL"/>
+          </a:p>
+        </p:txBody>
+      </p:sp>
+      <p:pic>
+        <p:nvPicPr>
+          <p:cNvPr id="4" name="Picture 3" descr="A screenshot of a computer program&#10;&#10;AI-generated content may be incorrect.">
+            <a:extLst>
+              <a:ext uri="{FF2B5EF4-FFF2-40B4-BE49-F238E27FC236}">
+                <a16:creationId xmlns:a16="http://schemas.microsoft.com/office/drawing/2014/main" id="{00342DCA-52DB-CBFB-B27F-3CB8F22E156E}"/>
+              </a:ext>
+            </a:extLst>
+          </p:cNvPr>
+          <p:cNvPicPr>
+            <a:picLocks noChangeAspect="1"/>
+          </p:cNvPicPr>
+          <p:nvPr/>
+        </p:nvPicPr>
+        <p:blipFill>
+          <a:blip r:embed="rId3"/>
+          <a:srcRect b="37921"/>
+          <a:stretch>
+            <a:fillRect/>
+          </a:stretch>
+        </p:blipFill>
+        <p:spPr>
+          <a:xfrm>
+            <a:off x="1720580" y="956187"/>
+            <a:ext cx="9114721" cy="4945626"/>
+          </a:xfrm>
+          <a:prstGeom prst="rect">
+            <a:avLst/>
+          </a:prstGeom>
+        </p:spPr>
+      </p:pic>
+    </p:spTree>
+    <p:extLst>
+      <p:ext uri="{BB962C8B-B14F-4D97-AF65-F5344CB8AC3E}">
+        <p14:creationId xmlns:p14="http://schemas.microsoft.com/office/powerpoint/2010/main" val="1899399915"/>
       </p:ext>
     </p:extLst>
   </p:cSld>
@@ -11241,6 +11263,37 @@
           </a:p>
         </p:txBody>
       </p:sp>
+      <p:pic>
+        <p:nvPicPr>
+          <p:cNvPr id="4" name="Picture 3" descr="A screenshot of a computer program&#10;&#10;AI-generated content may be incorrect.">
+            <a:extLst>
+              <a:ext uri="{FF2B5EF4-FFF2-40B4-BE49-F238E27FC236}">
+                <a16:creationId xmlns:a16="http://schemas.microsoft.com/office/drawing/2014/main" id="{4448B1F1-2F95-3E53-BC5C-77C10AFC7933}"/>
+              </a:ext>
+            </a:extLst>
+          </p:cNvPr>
+          <p:cNvPicPr>
+            <a:picLocks noChangeAspect="1"/>
+          </p:cNvPicPr>
+          <p:nvPr/>
+        </p:nvPicPr>
+        <p:blipFill>
+          <a:blip r:embed="rId3"/>
+          <a:srcRect t="62222"/>
+          <a:stretch>
+            <a:fillRect/>
+          </a:stretch>
+        </p:blipFill>
+        <p:spPr>
+          <a:xfrm>
+            <a:off x="1467798" y="1796845"/>
+            <a:ext cx="9886002" cy="3264309"/>
+          </a:xfrm>
+          <a:prstGeom prst="rect">
+            <a:avLst/>
+          </a:prstGeom>
+        </p:spPr>
+      </p:pic>
     </p:spTree>
     <p:extLst>
       <p:ext uri="{BB962C8B-B14F-4D97-AF65-F5344CB8AC3E}">
@@ -11440,55 +11493,36 @@
           </a:p>
         </p:txBody>
       </p:sp>
-      <p:sp>
-        <p:nvSpPr>
-          <p:cNvPr id="4" name="Rectangle 3">
-            <a:extLst>
-              <a:ext uri="{FF2B5EF4-FFF2-40B4-BE49-F238E27FC236}">
-                <a16:creationId xmlns:a16="http://schemas.microsoft.com/office/drawing/2014/main" id="{25597147-45A2-C9B3-40EE-39E7C96B02BF}"/>
-              </a:ext>
-            </a:extLst>
-          </p:cNvPr>
-          <p:cNvSpPr/>
+      <p:pic>
+        <p:nvPicPr>
+          <p:cNvPr id="6" name="Picture 5" descr="A screenshot of a computer program&#10;&#10;AI-generated content may be incorrect.">
+            <a:extLst>
+              <a:ext uri="{FF2B5EF4-FFF2-40B4-BE49-F238E27FC236}">
+                <a16:creationId xmlns:a16="http://schemas.microsoft.com/office/drawing/2014/main" id="{A67E463A-A200-ADA8-A6AC-008A00C79FA5}"/>
+              </a:ext>
+            </a:extLst>
+          </p:cNvPr>
+          <p:cNvPicPr>
+            <a:picLocks noChangeAspect="1"/>
+          </p:cNvPicPr>
           <p:nvPr/>
-        </p:nvSpPr>
-        <p:spPr>
-          <a:xfrm>
-            <a:off x="5646420" y="2414016"/>
-            <a:ext cx="4700016" cy="3357292"/>
+        </p:nvPicPr>
+        <p:blipFill>
+          <a:blip r:embed="rId3"/>
+          <a:stretch>
+            <a:fillRect/>
+          </a:stretch>
+        </p:blipFill>
+        <p:spPr>
+          <a:xfrm>
+            <a:off x="4465000" y="2152725"/>
+            <a:ext cx="7376799" cy="3909399"/>
           </a:xfrm>
           <a:prstGeom prst="rect">
             <a:avLst/>
           </a:prstGeom>
         </p:spPr>
-        <p:style>
-          <a:lnRef idx="2">
-            <a:schemeClr val="accent1">
-              <a:shade val="15000"/>
-            </a:schemeClr>
-          </a:lnRef>
-          <a:fillRef idx="1">
-            <a:schemeClr val="accent1"/>
-          </a:fillRef>
-          <a:effectRef idx="0">
-            <a:schemeClr val="accent1"/>
-          </a:effectRef>
-          <a:fontRef idx="minor">
-            <a:schemeClr val="lt1"/>
-          </a:fontRef>
-        </p:style>
-        <p:txBody>
-          <a:bodyPr rtlCol="0" anchor="ctr"/>
-          <a:lstStyle/>
-          <a:p>
-            <a:pPr algn="ctr"/>
-            <a:r>
-              <a:rPr lang="pl-PL" dirty="0"/>
-              <a:t>ZDJ</a:t>
-            </a:r>
-          </a:p>
-        </p:txBody>
-      </p:sp>
+      </p:pic>
     </p:spTree>
     <p:extLst>
       <p:ext uri="{BB962C8B-B14F-4D97-AF65-F5344CB8AC3E}">
@@ -11688,55 +11722,67 @@
           </a:p>
         </p:txBody>
       </p:sp>
-      <p:sp>
-        <p:nvSpPr>
-          <p:cNvPr id="4" name="Rectangle 3">
-            <a:extLst>
-              <a:ext uri="{FF2B5EF4-FFF2-40B4-BE49-F238E27FC236}">
-                <a16:creationId xmlns:a16="http://schemas.microsoft.com/office/drawing/2014/main" id="{E8B82B98-9D4D-C43A-47E9-21B04B21596B}"/>
-              </a:ext>
-            </a:extLst>
-          </p:cNvPr>
-          <p:cNvSpPr/>
+      <p:pic>
+        <p:nvPicPr>
+          <p:cNvPr id="6" name="Picture 5" descr="A screenshot of a computer&#10;&#10;AI-generated content may be incorrect.">
+            <a:extLst>
+              <a:ext uri="{FF2B5EF4-FFF2-40B4-BE49-F238E27FC236}">
+                <a16:creationId xmlns:a16="http://schemas.microsoft.com/office/drawing/2014/main" id="{763D76F1-2CAD-0E41-5F03-17D4571B24E3}"/>
+              </a:ext>
+            </a:extLst>
+          </p:cNvPr>
+          <p:cNvPicPr>
+            <a:picLocks noChangeAspect="1"/>
+          </p:cNvPicPr>
           <p:nvPr/>
-        </p:nvSpPr>
-        <p:spPr>
-          <a:xfrm>
-            <a:off x="5646420" y="2414016"/>
-            <a:ext cx="4700016" cy="3357292"/>
+        </p:nvPicPr>
+        <p:blipFill>
+          <a:blip r:embed="rId3"/>
+          <a:srcRect r="40269"/>
+          <a:stretch>
+            <a:fillRect/>
+          </a:stretch>
+        </p:blipFill>
+        <p:spPr>
+          <a:xfrm>
+            <a:off x="5049643" y="3326916"/>
+            <a:ext cx="6632083" cy="2598645"/>
           </a:xfrm>
           <a:prstGeom prst="rect">
             <a:avLst/>
           </a:prstGeom>
         </p:spPr>
-        <p:style>
-          <a:lnRef idx="2">
-            <a:schemeClr val="accent1">
-              <a:shade val="15000"/>
-            </a:schemeClr>
-          </a:lnRef>
-          <a:fillRef idx="1">
-            <a:schemeClr val="accent1"/>
-          </a:fillRef>
-          <a:effectRef idx="0">
-            <a:schemeClr val="accent1"/>
-          </a:effectRef>
-          <a:fontRef idx="minor">
-            <a:schemeClr val="lt1"/>
-          </a:fontRef>
-        </p:style>
-        <p:txBody>
-          <a:bodyPr rtlCol="0" anchor="ctr"/>
-          <a:lstStyle/>
-          <a:p>
-            <a:pPr algn="ctr"/>
-            <a:r>
-              <a:rPr lang="pl-PL" dirty="0"/>
-              <a:t>ZDJ</a:t>
-            </a:r>
-          </a:p>
-        </p:txBody>
-      </p:sp>
+      </p:pic>
+      <p:pic>
+        <p:nvPicPr>
+          <p:cNvPr id="8" name="Picture 7" descr="A screen shot of a computer program&#10;&#10;AI-generated content may be incorrect.">
+            <a:extLst>
+              <a:ext uri="{FF2B5EF4-FFF2-40B4-BE49-F238E27FC236}">
+                <a16:creationId xmlns:a16="http://schemas.microsoft.com/office/drawing/2014/main" id="{93DC4094-21E2-D4CB-6249-B0983060ADF5}"/>
+              </a:ext>
+            </a:extLst>
+          </p:cNvPr>
+          <p:cNvPicPr>
+            <a:picLocks noChangeAspect="1"/>
+          </p:cNvPicPr>
+          <p:nvPr/>
+        </p:nvPicPr>
+        <p:blipFill>
+          <a:blip r:embed="rId4"/>
+          <a:stretch>
+            <a:fillRect/>
+          </a:stretch>
+        </p:blipFill>
+        <p:spPr>
+          <a:xfrm>
+            <a:off x="510274" y="2930854"/>
+            <a:ext cx="4327084" cy="2990305"/>
+          </a:xfrm>
+          <a:prstGeom prst="rect">
+            <a:avLst/>
+          </a:prstGeom>
+        </p:spPr>
+      </p:pic>
     </p:spTree>
     <p:extLst>
       <p:ext uri="{BB962C8B-B14F-4D97-AF65-F5344CB8AC3E}">
@@ -12743,6 +12789,25 @@
 </file>
 
 <file path=customXml/item1.xml><?xml version="1.0" encoding="utf-8"?>
+<p:properties xmlns:p="http://schemas.microsoft.com/office/2006/metadata/properties" xmlns:xsi="http://www.w3.org/2001/XMLSchema-instance" xmlns:pc="http://schemas.microsoft.com/office/infopath/2007/PartnerControls">
+  <documentManagement>
+    <_ip_UnifiedCompliancePolicyUIAction xmlns="http://schemas.microsoft.com/sharepoint/v3" xsi:nil="true"/>
+    <Image xmlns="71af3243-3dd4-4a8d-8c0d-dd76da1f02a5">
+      <Url xsi:nil="true"/>
+      <Description xsi:nil="true"/>
+    </Image>
+    <Status xmlns="71af3243-3dd4-4a8d-8c0d-dd76da1f02a5">Not started</Status>
+    <_ip_UnifiedCompliancePolicyProperties xmlns="http://schemas.microsoft.com/sharepoint/v3" xsi:nil="true"/>
+    <ImageTagsTaxHTField xmlns="71af3243-3dd4-4a8d-8c0d-dd76da1f02a5">
+      <Terms xmlns="http://schemas.microsoft.com/office/infopath/2007/PartnerControls"/>
+    </ImageTagsTaxHTField>
+    <TaxCatchAll xmlns="230e9df3-be65-4c73-a93b-d1236ebd677e"/>
+    <MediaServiceKeyPoints xmlns="71af3243-3dd4-4a8d-8c0d-dd76da1f02a5" xsi:nil="true"/>
+  </documentManagement>
+</p:properties>
+</file>
+
+<file path=customXml/item2.xml><?xml version="1.0" encoding="utf-8"?>
 <ct:contentTypeSchema xmlns:ct="http://schemas.microsoft.com/office/2006/metadata/contentType" xmlns:ma="http://schemas.microsoft.com/office/2006/metadata/properties/metaAttributes" ct:_="" ma:_="" ma:contentTypeName="Document" ma:contentTypeID="0x01010079F111ED35F8CC479449609E8A0923A6" ma:contentTypeVersion="21" ma:contentTypeDescription="Create a new document." ma:contentTypeScope="" ma:versionID="64dfb1555687e0874b4304b796b5b0c7">
   <xsd:schema xmlns:xsd="http://www.w3.org/2001/XMLSchema" xmlns:xs="http://www.w3.org/2001/XMLSchema" xmlns:p="http://schemas.microsoft.com/office/2006/metadata/properties" xmlns:ns1="http://schemas.microsoft.com/sharepoint/v3" xmlns:ns2="71af3243-3dd4-4a8d-8c0d-dd76da1f02a5" xmlns:ns3="16c05727-aa75-4e4a-9b5f-8a80a1165891" xmlns:ns4="230e9df3-be65-4c73-a93b-d1236ebd677e" targetNamespace="http://schemas.microsoft.com/office/2006/metadata/properties" ma:root="true" ma:fieldsID="e6e4c555b5e194d05b7203de9c4567b3" ns1:_="" ns2:_="" ns3:_="" ns4:_="">
     <xsd:import namespace="http://schemas.microsoft.com/sharepoint/v3"/>
@@ -13024,25 +13089,6 @@
 </ct:contentTypeSchema>
 </file>
 
-<file path=customXml/item2.xml><?xml version="1.0" encoding="utf-8"?>
-<p:properties xmlns:p="http://schemas.microsoft.com/office/2006/metadata/properties" xmlns:xsi="http://www.w3.org/2001/XMLSchema-instance" xmlns:pc="http://schemas.microsoft.com/office/infopath/2007/PartnerControls">
-  <documentManagement>
-    <_ip_UnifiedCompliancePolicyUIAction xmlns="http://schemas.microsoft.com/sharepoint/v3" xsi:nil="true"/>
-    <Image xmlns="71af3243-3dd4-4a8d-8c0d-dd76da1f02a5">
-      <Url xsi:nil="true"/>
-      <Description xsi:nil="true"/>
-    </Image>
-    <Status xmlns="71af3243-3dd4-4a8d-8c0d-dd76da1f02a5">Not started</Status>
-    <_ip_UnifiedCompliancePolicyProperties xmlns="http://schemas.microsoft.com/sharepoint/v3" xsi:nil="true"/>
-    <ImageTagsTaxHTField xmlns="71af3243-3dd4-4a8d-8c0d-dd76da1f02a5">
-      <Terms xmlns="http://schemas.microsoft.com/office/infopath/2007/PartnerControls"/>
-    </ImageTagsTaxHTField>
-    <TaxCatchAll xmlns="230e9df3-be65-4c73-a93b-d1236ebd677e"/>
-    <MediaServiceKeyPoints xmlns="71af3243-3dd4-4a8d-8c0d-dd76da1f02a5" xsi:nil="true"/>
-  </documentManagement>
-</p:properties>
-</file>
-
 <file path=customXml/item3.xml><?xml version="1.0" encoding="utf-8"?>
 <?mso-contentType ?>
 <FormTemplates xmlns="http://schemas.microsoft.com/sharepoint/v3/contenttype/forms">
@@ -13053,6 +13099,18 @@
 </file>
 
 <file path=customXml/itemProps1.xml><?xml version="1.0" encoding="utf-8"?>
+<ds:datastoreItem xmlns:ds="http://schemas.openxmlformats.org/officeDocument/2006/customXml" ds:itemID="{CA4F7154-AFAC-4BE7-8A74-7F4B6FC2743C}">
+  <ds:schemaRefs>
+    <ds:schemaRef ds:uri="http://schemas.microsoft.com/office/2006/metadata/properties"/>
+    <ds:schemaRef ds:uri="http://schemas.microsoft.com/office/infopath/2007/PartnerControls"/>
+    <ds:schemaRef ds:uri="http://schemas.microsoft.com/sharepoint/v3"/>
+    <ds:schemaRef ds:uri="71af3243-3dd4-4a8d-8c0d-dd76da1f02a5"/>
+    <ds:schemaRef ds:uri="230e9df3-be65-4c73-a93b-d1236ebd677e"/>
+  </ds:schemaRefs>
+</ds:datastoreItem>
+</file>
+
+<file path=customXml/itemProps2.xml><?xml version="1.0" encoding="utf-8"?>
 <ds:datastoreItem xmlns:ds="http://schemas.openxmlformats.org/officeDocument/2006/customXml" ds:itemID="{67ACD96E-49A0-4DA4-A7BB-AC2D8874213F}">
   <ds:schemaRefs>
     <ds:schemaRef ds:uri="http://schemas.microsoft.com/office/2006/metadata/contentType"/>
@@ -13073,18 +13131,6 @@
 </ds:datastoreItem>
 </file>
 
-<file path=customXml/itemProps2.xml><?xml version="1.0" encoding="utf-8"?>
-<ds:datastoreItem xmlns:ds="http://schemas.openxmlformats.org/officeDocument/2006/customXml" ds:itemID="{CA4F7154-AFAC-4BE7-8A74-7F4B6FC2743C}">
-  <ds:schemaRefs>
-    <ds:schemaRef ds:uri="http://schemas.microsoft.com/office/2006/metadata/properties"/>
-    <ds:schemaRef ds:uri="http://schemas.microsoft.com/office/infopath/2007/PartnerControls"/>
-    <ds:schemaRef ds:uri="http://schemas.microsoft.com/sharepoint/v3"/>
-    <ds:schemaRef ds:uri="71af3243-3dd4-4a8d-8c0d-dd76da1f02a5"/>
-    <ds:schemaRef ds:uri="230e9df3-be65-4c73-a93b-d1236ebd677e"/>
-  </ds:schemaRefs>
-</ds:datastoreItem>
-</file>
-
 <file path=customXml/itemProps3.xml><?xml version="1.0" encoding="utf-8"?>
 <ds:datastoreItem xmlns:ds="http://schemas.openxmlformats.org/officeDocument/2006/customXml" ds:itemID="{E618C13B-9D83-4AF4-B64D-33362D5133F8}">
   <ds:schemaRefs>
